--- a/06-Report/02-Presentation/Presentation.pptx
+++ b/06-Report/02-Presentation/Presentation.pptx
@@ -117,6 +117,11 @@
       </a:defRPr>
     </a:lvl9pPr>
   </p:defaultTextStyle>
+  <p:extLst>
+    <p:ext uri="{EFAFB233-063F-42B5-8137-9DF3F51BA10A}">
+      <p15:sldGuideLst xmlns:p15="http://schemas.microsoft.com/office/powerpoint/2012/main"/>
+    </p:ext>
+  </p:extLst>
 </p:presentation>
 </file>
 
@@ -3359,7 +3364,7 @@
           <a:p>
             <a:fld id="{181D1832-DB36-4893-924C-91A693F77EA8}" type="datetimeFigureOut">
               <a:rPr lang="en-US" smtClean="0"/>
-              <a:t>4/13/2021</a:t>
+              <a:t>4/14/21</a:t>
             </a:fld>
             <a:endParaRPr lang="en-US"/>
           </a:p>
@@ -3557,7 +3562,7 @@
           <a:p>
             <a:fld id="{181D1832-DB36-4893-924C-91A693F77EA8}" type="datetimeFigureOut">
               <a:rPr lang="en-US" smtClean="0"/>
-              <a:t>4/13/2021</a:t>
+              <a:t>4/14/21</a:t>
             </a:fld>
             <a:endParaRPr lang="en-US"/>
           </a:p>
@@ -3765,7 +3770,7 @@
           <a:p>
             <a:fld id="{181D1832-DB36-4893-924C-91A693F77EA8}" type="datetimeFigureOut">
               <a:rPr lang="en-US" smtClean="0"/>
-              <a:t>4/13/2021</a:t>
+              <a:t>4/14/21</a:t>
             </a:fld>
             <a:endParaRPr lang="en-US"/>
           </a:p>
@@ -3963,7 +3968,7 @@
           <a:p>
             <a:fld id="{181D1832-DB36-4893-924C-91A693F77EA8}" type="datetimeFigureOut">
               <a:rPr lang="en-US" smtClean="0"/>
-              <a:t>4/13/2021</a:t>
+              <a:t>4/14/21</a:t>
             </a:fld>
             <a:endParaRPr lang="en-US"/>
           </a:p>
@@ -4238,7 +4243,7 @@
           <a:p>
             <a:fld id="{181D1832-DB36-4893-924C-91A693F77EA8}" type="datetimeFigureOut">
               <a:rPr lang="en-US" smtClean="0"/>
-              <a:t>4/13/2021</a:t>
+              <a:t>4/14/21</a:t>
             </a:fld>
             <a:endParaRPr lang="en-US"/>
           </a:p>
@@ -4503,7 +4508,7 @@
           <a:p>
             <a:fld id="{181D1832-DB36-4893-924C-91A693F77EA8}" type="datetimeFigureOut">
               <a:rPr lang="en-US" smtClean="0"/>
-              <a:t>4/13/2021</a:t>
+              <a:t>4/14/21</a:t>
             </a:fld>
             <a:endParaRPr lang="en-US"/>
           </a:p>
@@ -4915,7 +4920,7 @@
           <a:p>
             <a:fld id="{181D1832-DB36-4893-924C-91A693F77EA8}" type="datetimeFigureOut">
               <a:rPr lang="en-US" smtClean="0"/>
-              <a:t>4/13/2021</a:t>
+              <a:t>4/14/21</a:t>
             </a:fld>
             <a:endParaRPr lang="en-US"/>
           </a:p>
@@ -5056,7 +5061,7 @@
           <a:p>
             <a:fld id="{181D1832-DB36-4893-924C-91A693F77EA8}" type="datetimeFigureOut">
               <a:rPr lang="en-US" smtClean="0"/>
-              <a:t>4/13/2021</a:t>
+              <a:t>4/14/21</a:t>
             </a:fld>
             <a:endParaRPr lang="en-US"/>
           </a:p>
@@ -5169,7 +5174,7 @@
           <a:p>
             <a:fld id="{181D1832-DB36-4893-924C-91A693F77EA8}" type="datetimeFigureOut">
               <a:rPr lang="en-US" smtClean="0"/>
-              <a:t>4/13/2021</a:t>
+              <a:t>4/14/21</a:t>
             </a:fld>
             <a:endParaRPr lang="en-US"/>
           </a:p>
@@ -5480,7 +5485,7 @@
           <a:p>
             <a:fld id="{181D1832-DB36-4893-924C-91A693F77EA8}" type="datetimeFigureOut">
               <a:rPr lang="en-US" smtClean="0"/>
-              <a:t>4/13/2021</a:t>
+              <a:t>4/14/21</a:t>
             </a:fld>
             <a:endParaRPr lang="en-US"/>
           </a:p>
@@ -5768,7 +5773,7 @@
           <a:p>
             <a:fld id="{181D1832-DB36-4893-924C-91A693F77EA8}" type="datetimeFigureOut">
               <a:rPr lang="en-US" smtClean="0"/>
-              <a:t>4/13/2021</a:t>
+              <a:t>4/14/21</a:t>
             </a:fld>
             <a:endParaRPr lang="en-US"/>
           </a:p>
@@ -6009,7 +6014,7 @@
           <a:p>
             <a:fld id="{181D1832-DB36-4893-924C-91A693F77EA8}" type="datetimeFigureOut">
               <a:rPr lang="en-US" smtClean="0"/>
-              <a:t>4/13/2021</a:t>
+              <a:t>4/14/21</a:t>
             </a:fld>
             <a:endParaRPr lang="en-US"/>
           </a:p>
@@ -6940,8 +6945,8 @@
         </p:nvSpPr>
         <p:spPr>
           <a:xfrm>
-            <a:off x="4038600" y="1939159"/>
-            <a:ext cx="7644627" cy="2751086"/>
+            <a:off x="3668110" y="1939159"/>
+            <a:ext cx="8015117" cy="2751086"/>
           </a:xfrm>
         </p:spPr>
         <p:txBody>
@@ -6952,8 +6957,8 @@
           <a:p>
             <a:pPr algn="r"/>
             <a:r>
-              <a:rPr lang="en-US" sz="5100" b="1"/>
-              <a:t>Credit Card Default Prediction Using Data Science &amp; Machine Learning.</a:t>
+              <a:rPr lang="en-US" sz="5100" b="1" dirty="0"/>
+              <a:t>Credit Card Default Prediction Using Data Science &amp; Machine Learning</a:t>
             </a:r>
           </a:p>
         </p:txBody>
@@ -6977,17 +6982,41 @@
         <p:spPr>
           <a:xfrm>
             <a:off x="4038600" y="4782320"/>
-            <a:ext cx="7644627" cy="1329443"/>
+            <a:ext cx="7644627" cy="1517139"/>
           </a:xfrm>
         </p:spPr>
         <p:txBody>
           <a:bodyPr>
-            <a:normAutofit/>
+            <a:normAutofit fontScale="92500" lnSpcReduction="20000"/>
           </a:bodyPr>
           <a:lstStyle/>
           <a:p>
-            <a:pPr algn="r"/>
-            <a:endParaRPr lang="en-US"/>
+            <a:pPr algn="l"/>
+            <a:r>
+              <a:rPr lang="en-US" dirty="0"/>
+              <a:t>Cody Dailey</a:t>
+            </a:r>
+          </a:p>
+          <a:p>
+            <a:pPr algn="l"/>
+            <a:r>
+              <a:rPr lang="en-US" dirty="0"/>
+              <a:t>Ishaan Dave</a:t>
+            </a:r>
+          </a:p>
+          <a:p>
+            <a:pPr algn="l"/>
+            <a:r>
+              <a:rPr lang="en-US" dirty="0"/>
+              <a:t>Yang Ge</a:t>
+            </a:r>
+          </a:p>
+          <a:p>
+            <a:pPr algn="l"/>
+            <a:r>
+              <a:rPr lang="en-US" dirty="0"/>
+              <a:t>Vipul Shinde</a:t>
+            </a:r>
           </a:p>
         </p:txBody>
       </p:sp>
@@ -7727,6 +7756,1554 @@
           </a:p>
         </p:txBody>
       </p:sp>
+      <p:graphicFrame>
+        <p:nvGraphicFramePr>
+          <p:cNvPr id="6" name="Table 5">
+            <a:extLst>
+              <a:ext uri="{FF2B5EF4-FFF2-40B4-BE49-F238E27FC236}">
+                <a16:creationId xmlns:a16="http://schemas.microsoft.com/office/drawing/2014/main" id="{3427C7F6-BC66-4241-A6CB-213F487081C5}"/>
+              </a:ext>
+            </a:extLst>
+          </p:cNvPr>
+          <p:cNvGraphicFramePr>
+            <a:graphicFrameLocks noGrp="1"/>
+          </p:cNvGraphicFramePr>
+          <p:nvPr>
+            <p:extLst>
+              <p:ext uri="{D42A27DB-BD31-4B8C-83A1-F6EECF244321}">
+                <p14:modId xmlns:p14="http://schemas.microsoft.com/office/powerpoint/2010/main" val="2761209525"/>
+              </p:ext>
+            </p:extLst>
+          </p:nvPr>
+        </p:nvGraphicFramePr>
+        <p:xfrm>
+          <a:off x="370649" y="3368564"/>
+          <a:ext cx="4600743" cy="1852178"/>
+        </p:xfrm>
+        <a:graphic>
+          <a:graphicData uri="http://schemas.openxmlformats.org/drawingml/2006/table">
+            <a:tbl>
+              <a:tblPr firstRow="1" bandRow="1">
+                <a:tableStyleId>{5C22544A-7EE6-4342-B048-85BDC9FD1C3A}</a:tableStyleId>
+              </a:tblPr>
+              <a:tblGrid>
+                <a:gridCol w="1023280">
+                  <a:extLst>
+                    <a:ext uri="{9D8B030D-6E8A-4147-A177-3AD203B41FA5}">
+                      <a16:colId xmlns:a16="http://schemas.microsoft.com/office/drawing/2014/main" val="2934914883"/>
+                    </a:ext>
+                  </a:extLst>
+                </a:gridCol>
+                <a:gridCol w="1023280">
+                  <a:extLst>
+                    <a:ext uri="{9D8B030D-6E8A-4147-A177-3AD203B41FA5}">
+                      <a16:colId xmlns:a16="http://schemas.microsoft.com/office/drawing/2014/main" val="3998282429"/>
+                    </a:ext>
+                  </a:extLst>
+                </a:gridCol>
+                <a:gridCol w="1023280">
+                  <a:extLst>
+                    <a:ext uri="{9D8B030D-6E8A-4147-A177-3AD203B41FA5}">
+                      <a16:colId xmlns:a16="http://schemas.microsoft.com/office/drawing/2014/main" val="3673572072"/>
+                    </a:ext>
+                  </a:extLst>
+                </a:gridCol>
+                <a:gridCol w="1023280">
+                  <a:extLst>
+                    <a:ext uri="{9D8B030D-6E8A-4147-A177-3AD203B41FA5}">
+                      <a16:colId xmlns:a16="http://schemas.microsoft.com/office/drawing/2014/main" val="4028921071"/>
+                    </a:ext>
+                  </a:extLst>
+                </a:gridCol>
+                <a:gridCol w="507623">
+                  <a:extLst>
+                    <a:ext uri="{9D8B030D-6E8A-4147-A177-3AD203B41FA5}">
+                      <a16:colId xmlns:a16="http://schemas.microsoft.com/office/drawing/2014/main" val="2684145252"/>
+                    </a:ext>
+                  </a:extLst>
+                </a:gridCol>
+              </a:tblGrid>
+              <a:tr h="412874">
+                <a:tc gridSpan="2">
+                  <a:txBody>
+                    <a:bodyPr/>
+                    <a:lstStyle/>
+                    <a:p>
+                      <a:pPr marL="63500" marR="63500" algn="ctr">
+                        <a:spcBef>
+                          <a:spcPts val="500"/>
+                        </a:spcBef>
+                        <a:spcAft>
+                          <a:spcPts val="500"/>
+                        </a:spcAft>
+                      </a:pPr>
+                      <a:r>
+                        <a:rPr lang="en-US" sz="1200">
+                          <a:effectLst/>
+                        </a:rPr>
+                        <a:t> </a:t>
+                      </a:r>
+                      <a:endParaRPr lang="en-US" sz="1200">
+                        <a:effectLst/>
+                        <a:latin typeface="Cambria" panose="02040503050406030204" pitchFamily="18" charset="0"/>
+                        <a:ea typeface="Cambria" panose="02040503050406030204" pitchFamily="18" charset="0"/>
+                        <a:cs typeface="Times New Roman" panose="02020603050405020304" pitchFamily="18" charset="0"/>
+                      </a:endParaRPr>
+                    </a:p>
+                  </a:txBody>
+                  <a:tcPr marL="0" marR="0" marT="0" marB="0" anchor="ctr"/>
+                </a:tc>
+                <a:tc hMerge="1">
+                  <a:txBody>
+                    <a:bodyPr/>
+                    <a:lstStyle/>
+                    <a:p>
+                      <a:endParaRPr lang="en-US"/>
+                    </a:p>
+                  </a:txBody>
+                  <a:tcPr/>
+                </a:tc>
+                <a:tc gridSpan="2">
+                  <a:txBody>
+                    <a:bodyPr/>
+                    <a:lstStyle/>
+                    <a:p>
+                      <a:pPr marL="63500" marR="63500" algn="ctr">
+                        <a:spcBef>
+                          <a:spcPts val="500"/>
+                        </a:spcBef>
+                        <a:spcAft>
+                          <a:spcPts val="500"/>
+                        </a:spcAft>
+                      </a:pPr>
+                      <a:r>
+                        <a:rPr lang="en-US" sz="1400">
+                          <a:effectLst/>
+                        </a:rPr>
+                        <a:t>Truth</a:t>
+                      </a:r>
+                      <a:endParaRPr lang="en-US" sz="1200">
+                        <a:effectLst/>
+                        <a:latin typeface="Cambria" panose="02040503050406030204" pitchFamily="18" charset="0"/>
+                        <a:ea typeface="Cambria" panose="02040503050406030204" pitchFamily="18" charset="0"/>
+                        <a:cs typeface="Times New Roman" panose="02020603050405020304" pitchFamily="18" charset="0"/>
+                      </a:endParaRPr>
+                    </a:p>
+                  </a:txBody>
+                  <a:tcPr marL="0" marR="0" marT="0" marB="0" anchor="ctr"/>
+                </a:tc>
+                <a:tc hMerge="1">
+                  <a:txBody>
+                    <a:bodyPr/>
+                    <a:lstStyle/>
+                    <a:p>
+                      <a:endParaRPr lang="en-US"/>
+                    </a:p>
+                  </a:txBody>
+                  <a:tcPr/>
+                </a:tc>
+                <a:tc>
+                  <a:txBody>
+                    <a:bodyPr/>
+                    <a:lstStyle/>
+                    <a:p>
+                      <a:pPr marL="63500" marR="63500" algn="ctr">
+                        <a:spcBef>
+                          <a:spcPts val="500"/>
+                        </a:spcBef>
+                        <a:spcAft>
+                          <a:spcPts val="500"/>
+                        </a:spcAft>
+                      </a:pPr>
+                      <a:r>
+                        <a:rPr lang="en-US" sz="1200">
+                          <a:effectLst/>
+                        </a:rPr>
+                        <a:t> </a:t>
+                      </a:r>
+                      <a:endParaRPr lang="en-US" sz="1200">
+                        <a:effectLst/>
+                        <a:latin typeface="Cambria" panose="02040503050406030204" pitchFamily="18" charset="0"/>
+                        <a:ea typeface="Cambria" panose="02040503050406030204" pitchFamily="18" charset="0"/>
+                        <a:cs typeface="Times New Roman" panose="02020603050405020304" pitchFamily="18" charset="0"/>
+                      </a:endParaRPr>
+                    </a:p>
+                  </a:txBody>
+                  <a:tcPr marL="0" marR="0" marT="0" marB="0" anchor="ctr"/>
+                </a:tc>
+                <a:extLst>
+                  <a:ext uri="{0D108BD9-81ED-4DB2-BD59-A6C34878D82A}">
+                    <a16:rowId xmlns:a16="http://schemas.microsoft.com/office/drawing/2014/main" val="2930774933"/>
+                  </a:ext>
+                </a:extLst>
+              </a:tr>
+              <a:tr h="353892">
+                <a:tc>
+                  <a:txBody>
+                    <a:bodyPr/>
+                    <a:lstStyle/>
+                    <a:p>
+                      <a:pPr marL="63500" marR="63500" algn="ctr">
+                        <a:spcBef>
+                          <a:spcPts val="500"/>
+                        </a:spcBef>
+                        <a:spcAft>
+                          <a:spcPts val="500"/>
+                        </a:spcAft>
+                      </a:pPr>
+                      <a:r>
+                        <a:rPr lang="en-US" sz="1200">
+                          <a:effectLst/>
+                        </a:rPr>
+                        <a:t> </a:t>
+                      </a:r>
+                      <a:endParaRPr lang="en-US" sz="1200">
+                        <a:effectLst/>
+                        <a:latin typeface="Cambria" panose="02040503050406030204" pitchFamily="18" charset="0"/>
+                        <a:ea typeface="Cambria" panose="02040503050406030204" pitchFamily="18" charset="0"/>
+                        <a:cs typeface="Times New Roman" panose="02020603050405020304" pitchFamily="18" charset="0"/>
+                      </a:endParaRPr>
+                    </a:p>
+                  </a:txBody>
+                  <a:tcPr marL="0" marR="0" marT="0" marB="0" anchor="ctr"/>
+                </a:tc>
+                <a:tc>
+                  <a:txBody>
+                    <a:bodyPr/>
+                    <a:lstStyle/>
+                    <a:p>
+                      <a:pPr marL="63500" marR="63500" algn="ctr">
+                        <a:spcBef>
+                          <a:spcPts val="500"/>
+                        </a:spcBef>
+                        <a:spcAft>
+                          <a:spcPts val="500"/>
+                        </a:spcAft>
+                      </a:pPr>
+                      <a:r>
+                        <a:rPr lang="en-US" sz="1200">
+                          <a:effectLst/>
+                        </a:rPr>
+                        <a:t> </a:t>
+                      </a:r>
+                      <a:endParaRPr lang="en-US" sz="1200">
+                        <a:effectLst/>
+                        <a:latin typeface="Cambria" panose="02040503050406030204" pitchFamily="18" charset="0"/>
+                        <a:ea typeface="Cambria" panose="02040503050406030204" pitchFamily="18" charset="0"/>
+                        <a:cs typeface="Times New Roman" panose="02020603050405020304" pitchFamily="18" charset="0"/>
+                      </a:endParaRPr>
+                    </a:p>
+                  </a:txBody>
+                  <a:tcPr marL="0" marR="0" marT="0" marB="0" anchor="ctr"/>
+                </a:tc>
+                <a:tc>
+                  <a:txBody>
+                    <a:bodyPr/>
+                    <a:lstStyle/>
+                    <a:p>
+                      <a:pPr marL="63500" marR="63500" algn="ctr">
+                        <a:spcBef>
+                          <a:spcPts val="500"/>
+                        </a:spcBef>
+                        <a:spcAft>
+                          <a:spcPts val="500"/>
+                        </a:spcAft>
+                      </a:pPr>
+                      <a:r>
+                        <a:rPr lang="en-US" sz="1200">
+                          <a:effectLst/>
+                        </a:rPr>
+                        <a:t>Defaulted</a:t>
+                      </a:r>
+                      <a:endParaRPr lang="en-US" sz="1200">
+                        <a:effectLst/>
+                        <a:latin typeface="Cambria" panose="02040503050406030204" pitchFamily="18" charset="0"/>
+                        <a:ea typeface="Cambria" panose="02040503050406030204" pitchFamily="18" charset="0"/>
+                        <a:cs typeface="Times New Roman" panose="02020603050405020304" pitchFamily="18" charset="0"/>
+                      </a:endParaRPr>
+                    </a:p>
+                  </a:txBody>
+                  <a:tcPr marL="0" marR="0" marT="0" marB="0" anchor="ctr"/>
+                </a:tc>
+                <a:tc>
+                  <a:txBody>
+                    <a:bodyPr/>
+                    <a:lstStyle/>
+                    <a:p>
+                      <a:pPr marL="63500" marR="63500" algn="ctr">
+                        <a:spcBef>
+                          <a:spcPts val="500"/>
+                        </a:spcBef>
+                        <a:spcAft>
+                          <a:spcPts val="500"/>
+                        </a:spcAft>
+                      </a:pPr>
+                      <a:r>
+                        <a:rPr lang="en-US" sz="1200">
+                          <a:effectLst/>
+                        </a:rPr>
+                        <a:t>Did Not Default</a:t>
+                      </a:r>
+                      <a:endParaRPr lang="en-US" sz="1200">
+                        <a:effectLst/>
+                        <a:latin typeface="Cambria" panose="02040503050406030204" pitchFamily="18" charset="0"/>
+                        <a:ea typeface="Cambria" panose="02040503050406030204" pitchFamily="18" charset="0"/>
+                        <a:cs typeface="Times New Roman" panose="02020603050405020304" pitchFamily="18" charset="0"/>
+                      </a:endParaRPr>
+                    </a:p>
+                  </a:txBody>
+                  <a:tcPr marL="0" marR="0" marT="0" marB="0" anchor="ctr"/>
+                </a:tc>
+                <a:tc>
+                  <a:txBody>
+                    <a:bodyPr/>
+                    <a:lstStyle/>
+                    <a:p>
+                      <a:pPr marL="63500" marR="63500" algn="ctr">
+                        <a:spcBef>
+                          <a:spcPts val="500"/>
+                        </a:spcBef>
+                        <a:spcAft>
+                          <a:spcPts val="500"/>
+                        </a:spcAft>
+                      </a:pPr>
+                      <a:r>
+                        <a:rPr lang="en-US" sz="1200">
+                          <a:effectLst/>
+                        </a:rPr>
+                        <a:t> </a:t>
+                      </a:r>
+                      <a:endParaRPr lang="en-US" sz="1200">
+                        <a:effectLst/>
+                        <a:latin typeface="Cambria" panose="02040503050406030204" pitchFamily="18" charset="0"/>
+                        <a:ea typeface="Cambria" panose="02040503050406030204" pitchFamily="18" charset="0"/>
+                        <a:cs typeface="Times New Roman" panose="02020603050405020304" pitchFamily="18" charset="0"/>
+                      </a:endParaRPr>
+                    </a:p>
+                  </a:txBody>
+                  <a:tcPr marL="0" marR="0" marT="0" marB="0" anchor="ctr"/>
+                </a:tc>
+                <a:extLst>
+                  <a:ext uri="{0D108BD9-81ED-4DB2-BD59-A6C34878D82A}">
+                    <a16:rowId xmlns:a16="http://schemas.microsoft.com/office/drawing/2014/main" val="3592584249"/>
+                  </a:ext>
+                </a:extLst>
+              </a:tr>
+              <a:tr h="353892">
+                <a:tc rowSpan="2">
+                  <a:txBody>
+                    <a:bodyPr/>
+                    <a:lstStyle/>
+                    <a:p>
+                      <a:pPr marL="63500" marR="63500">
+                        <a:spcBef>
+                          <a:spcPts val="500"/>
+                        </a:spcBef>
+                        <a:spcAft>
+                          <a:spcPts val="500"/>
+                        </a:spcAft>
+                      </a:pPr>
+                      <a:r>
+                        <a:rPr lang="en-US" sz="1400">
+                          <a:effectLst/>
+                        </a:rPr>
+                        <a:t>Prediction</a:t>
+                      </a:r>
+                      <a:endParaRPr lang="en-US" sz="1200">
+                        <a:effectLst/>
+                        <a:latin typeface="Cambria" panose="02040503050406030204" pitchFamily="18" charset="0"/>
+                        <a:ea typeface="Cambria" panose="02040503050406030204" pitchFamily="18" charset="0"/>
+                        <a:cs typeface="Times New Roman" panose="02020603050405020304" pitchFamily="18" charset="0"/>
+                      </a:endParaRPr>
+                    </a:p>
+                  </a:txBody>
+                  <a:tcPr marL="0" marR="0" marT="0" marB="0" anchor="ctr"/>
+                </a:tc>
+                <a:tc>
+                  <a:txBody>
+                    <a:bodyPr/>
+                    <a:lstStyle/>
+                    <a:p>
+                      <a:pPr marL="63500" marR="63500">
+                        <a:spcBef>
+                          <a:spcPts val="500"/>
+                        </a:spcBef>
+                        <a:spcAft>
+                          <a:spcPts val="500"/>
+                        </a:spcAft>
+                      </a:pPr>
+                      <a:r>
+                        <a:rPr lang="en-US" sz="1200">
+                          <a:effectLst/>
+                        </a:rPr>
+                        <a:t>Defaulted</a:t>
+                      </a:r>
+                      <a:endParaRPr lang="en-US" sz="1200">
+                        <a:effectLst/>
+                        <a:latin typeface="Cambria" panose="02040503050406030204" pitchFamily="18" charset="0"/>
+                        <a:ea typeface="Cambria" panose="02040503050406030204" pitchFamily="18" charset="0"/>
+                        <a:cs typeface="Times New Roman" panose="02020603050405020304" pitchFamily="18" charset="0"/>
+                      </a:endParaRPr>
+                    </a:p>
+                  </a:txBody>
+                  <a:tcPr marL="0" marR="0" marT="0" marB="0" anchor="ctr"/>
+                </a:tc>
+                <a:tc>
+                  <a:txBody>
+                    <a:bodyPr/>
+                    <a:lstStyle/>
+                    <a:p>
+                      <a:pPr marL="63500" marR="63500" algn="r">
+                        <a:spcBef>
+                          <a:spcPts val="500"/>
+                        </a:spcBef>
+                        <a:spcAft>
+                          <a:spcPts val="500"/>
+                        </a:spcAft>
+                      </a:pPr>
+                      <a:r>
+                        <a:rPr lang="en-US" sz="1200">
+                          <a:effectLst/>
+                        </a:rPr>
+                        <a:t>398</a:t>
+                      </a:r>
+                      <a:endParaRPr lang="en-US" sz="1200">
+                        <a:effectLst/>
+                        <a:latin typeface="Cambria" panose="02040503050406030204" pitchFamily="18" charset="0"/>
+                        <a:ea typeface="Cambria" panose="02040503050406030204" pitchFamily="18" charset="0"/>
+                        <a:cs typeface="Times New Roman" panose="02020603050405020304" pitchFamily="18" charset="0"/>
+                      </a:endParaRPr>
+                    </a:p>
+                  </a:txBody>
+                  <a:tcPr marL="0" marR="0" marT="0" marB="0" anchor="ctr"/>
+                </a:tc>
+                <a:tc>
+                  <a:txBody>
+                    <a:bodyPr/>
+                    <a:lstStyle/>
+                    <a:p>
+                      <a:pPr marL="63500" marR="63500" algn="r">
+                        <a:spcBef>
+                          <a:spcPts val="500"/>
+                        </a:spcBef>
+                        <a:spcAft>
+                          <a:spcPts val="500"/>
+                        </a:spcAft>
+                      </a:pPr>
+                      <a:r>
+                        <a:rPr lang="en-US" sz="1200">
+                          <a:effectLst/>
+                        </a:rPr>
+                        <a:t>4,150</a:t>
+                      </a:r>
+                      <a:endParaRPr lang="en-US" sz="1200">
+                        <a:effectLst/>
+                        <a:latin typeface="Cambria" panose="02040503050406030204" pitchFamily="18" charset="0"/>
+                        <a:ea typeface="Cambria" panose="02040503050406030204" pitchFamily="18" charset="0"/>
+                        <a:cs typeface="Times New Roman" panose="02020603050405020304" pitchFamily="18" charset="0"/>
+                      </a:endParaRPr>
+                    </a:p>
+                  </a:txBody>
+                  <a:tcPr marL="0" marR="0" marT="0" marB="0" anchor="ctr"/>
+                </a:tc>
+                <a:tc>
+                  <a:txBody>
+                    <a:bodyPr/>
+                    <a:lstStyle/>
+                    <a:p>
+                      <a:pPr marL="63500" marR="63500" algn="r">
+                        <a:spcBef>
+                          <a:spcPts val="500"/>
+                        </a:spcBef>
+                        <a:spcAft>
+                          <a:spcPts val="500"/>
+                        </a:spcAft>
+                      </a:pPr>
+                      <a:r>
+                        <a:rPr lang="en-US" sz="1200">
+                          <a:effectLst/>
+                        </a:rPr>
+                        <a:t>4,548</a:t>
+                      </a:r>
+                      <a:endParaRPr lang="en-US" sz="1200">
+                        <a:effectLst/>
+                        <a:latin typeface="Cambria" panose="02040503050406030204" pitchFamily="18" charset="0"/>
+                        <a:ea typeface="Cambria" panose="02040503050406030204" pitchFamily="18" charset="0"/>
+                        <a:cs typeface="Times New Roman" panose="02020603050405020304" pitchFamily="18" charset="0"/>
+                      </a:endParaRPr>
+                    </a:p>
+                  </a:txBody>
+                  <a:tcPr marL="0" marR="0" marT="0" marB="0" anchor="ctr"/>
+                </a:tc>
+                <a:extLst>
+                  <a:ext uri="{0D108BD9-81ED-4DB2-BD59-A6C34878D82A}">
+                    <a16:rowId xmlns:a16="http://schemas.microsoft.com/office/drawing/2014/main" val="3725174280"/>
+                  </a:ext>
+                </a:extLst>
+              </a:tr>
+              <a:tr h="353892">
+                <a:tc vMerge="1">
+                  <a:txBody>
+                    <a:bodyPr/>
+                    <a:lstStyle/>
+                    <a:p>
+                      <a:endParaRPr lang="en-US"/>
+                    </a:p>
+                  </a:txBody>
+                  <a:tcPr/>
+                </a:tc>
+                <a:tc>
+                  <a:txBody>
+                    <a:bodyPr/>
+                    <a:lstStyle/>
+                    <a:p>
+                      <a:pPr marL="63500" marR="63500">
+                        <a:spcBef>
+                          <a:spcPts val="500"/>
+                        </a:spcBef>
+                        <a:spcAft>
+                          <a:spcPts val="500"/>
+                        </a:spcAft>
+                      </a:pPr>
+                      <a:r>
+                        <a:rPr lang="en-US" sz="1200">
+                          <a:effectLst/>
+                        </a:rPr>
+                        <a:t>Did Not Default</a:t>
+                      </a:r>
+                      <a:endParaRPr lang="en-US" sz="1200">
+                        <a:effectLst/>
+                        <a:latin typeface="Cambria" panose="02040503050406030204" pitchFamily="18" charset="0"/>
+                        <a:ea typeface="Cambria" panose="02040503050406030204" pitchFamily="18" charset="0"/>
+                        <a:cs typeface="Times New Roman" panose="02020603050405020304" pitchFamily="18" charset="0"/>
+                      </a:endParaRPr>
+                    </a:p>
+                  </a:txBody>
+                  <a:tcPr marL="0" marR="0" marT="0" marB="0" anchor="ctr"/>
+                </a:tc>
+                <a:tc>
+                  <a:txBody>
+                    <a:bodyPr/>
+                    <a:lstStyle/>
+                    <a:p>
+                      <a:pPr marL="63500" marR="63500" algn="r">
+                        <a:spcBef>
+                          <a:spcPts val="500"/>
+                        </a:spcBef>
+                        <a:spcAft>
+                          <a:spcPts val="500"/>
+                        </a:spcAft>
+                      </a:pPr>
+                      <a:r>
+                        <a:rPr lang="en-US" sz="1200">
+                          <a:effectLst/>
+                        </a:rPr>
+                        <a:t>3</a:t>
+                      </a:r>
+                      <a:endParaRPr lang="en-US" sz="1200">
+                        <a:effectLst/>
+                        <a:latin typeface="Cambria" panose="02040503050406030204" pitchFamily="18" charset="0"/>
+                        <a:ea typeface="Cambria" panose="02040503050406030204" pitchFamily="18" charset="0"/>
+                        <a:cs typeface="Times New Roman" panose="02020603050405020304" pitchFamily="18" charset="0"/>
+                      </a:endParaRPr>
+                    </a:p>
+                  </a:txBody>
+                  <a:tcPr marL="0" marR="0" marT="0" marB="0" anchor="ctr"/>
+                </a:tc>
+                <a:tc>
+                  <a:txBody>
+                    <a:bodyPr/>
+                    <a:lstStyle/>
+                    <a:p>
+                      <a:pPr marL="63500" marR="63500" algn="r">
+                        <a:spcBef>
+                          <a:spcPts val="500"/>
+                        </a:spcBef>
+                        <a:spcAft>
+                          <a:spcPts val="500"/>
+                        </a:spcAft>
+                      </a:pPr>
+                      <a:r>
+                        <a:rPr lang="en-US" sz="1200">
+                          <a:effectLst/>
+                        </a:rPr>
+                        <a:t>449</a:t>
+                      </a:r>
+                      <a:endParaRPr lang="en-US" sz="1200">
+                        <a:effectLst/>
+                        <a:latin typeface="Cambria" panose="02040503050406030204" pitchFamily="18" charset="0"/>
+                        <a:ea typeface="Cambria" panose="02040503050406030204" pitchFamily="18" charset="0"/>
+                        <a:cs typeface="Times New Roman" panose="02020603050405020304" pitchFamily="18" charset="0"/>
+                      </a:endParaRPr>
+                    </a:p>
+                  </a:txBody>
+                  <a:tcPr marL="0" marR="0" marT="0" marB="0" anchor="ctr"/>
+                </a:tc>
+                <a:tc>
+                  <a:txBody>
+                    <a:bodyPr/>
+                    <a:lstStyle/>
+                    <a:p>
+                      <a:pPr marL="63500" marR="63500" algn="r">
+                        <a:spcBef>
+                          <a:spcPts val="500"/>
+                        </a:spcBef>
+                        <a:spcAft>
+                          <a:spcPts val="500"/>
+                        </a:spcAft>
+                      </a:pPr>
+                      <a:r>
+                        <a:rPr lang="en-US" sz="1200">
+                          <a:effectLst/>
+                        </a:rPr>
+                        <a:t>452</a:t>
+                      </a:r>
+                      <a:endParaRPr lang="en-US" sz="1200">
+                        <a:effectLst/>
+                        <a:latin typeface="Cambria" panose="02040503050406030204" pitchFamily="18" charset="0"/>
+                        <a:ea typeface="Cambria" panose="02040503050406030204" pitchFamily="18" charset="0"/>
+                        <a:cs typeface="Times New Roman" panose="02020603050405020304" pitchFamily="18" charset="0"/>
+                      </a:endParaRPr>
+                    </a:p>
+                  </a:txBody>
+                  <a:tcPr marL="0" marR="0" marT="0" marB="0" anchor="ctr"/>
+                </a:tc>
+                <a:extLst>
+                  <a:ext uri="{0D108BD9-81ED-4DB2-BD59-A6C34878D82A}">
+                    <a16:rowId xmlns:a16="http://schemas.microsoft.com/office/drawing/2014/main" val="3985586156"/>
+                  </a:ext>
+                </a:extLst>
+              </a:tr>
+              <a:tr h="353892">
+                <a:tc>
+                  <a:txBody>
+                    <a:bodyPr/>
+                    <a:lstStyle/>
+                    <a:p>
+                      <a:pPr marL="63500" marR="63500">
+                        <a:spcBef>
+                          <a:spcPts val="500"/>
+                        </a:spcBef>
+                        <a:spcAft>
+                          <a:spcPts val="500"/>
+                        </a:spcAft>
+                      </a:pPr>
+                      <a:r>
+                        <a:rPr lang="en-US" sz="1200">
+                          <a:effectLst/>
+                        </a:rPr>
+                        <a:t> </a:t>
+                      </a:r>
+                      <a:endParaRPr lang="en-US" sz="1200">
+                        <a:effectLst/>
+                        <a:latin typeface="Cambria" panose="02040503050406030204" pitchFamily="18" charset="0"/>
+                        <a:ea typeface="Cambria" panose="02040503050406030204" pitchFamily="18" charset="0"/>
+                        <a:cs typeface="Times New Roman" panose="02020603050405020304" pitchFamily="18" charset="0"/>
+                      </a:endParaRPr>
+                    </a:p>
+                  </a:txBody>
+                  <a:tcPr marL="0" marR="0" marT="0" marB="0" anchor="ctr"/>
+                </a:tc>
+                <a:tc>
+                  <a:txBody>
+                    <a:bodyPr/>
+                    <a:lstStyle/>
+                    <a:p>
+                      <a:pPr marL="63500" marR="63500">
+                        <a:spcBef>
+                          <a:spcPts val="500"/>
+                        </a:spcBef>
+                        <a:spcAft>
+                          <a:spcPts val="500"/>
+                        </a:spcAft>
+                      </a:pPr>
+                      <a:r>
+                        <a:rPr lang="en-US" sz="1200">
+                          <a:effectLst/>
+                        </a:rPr>
+                        <a:t> </a:t>
+                      </a:r>
+                      <a:endParaRPr lang="en-US" sz="1200">
+                        <a:effectLst/>
+                        <a:latin typeface="Cambria" panose="02040503050406030204" pitchFamily="18" charset="0"/>
+                        <a:ea typeface="Cambria" panose="02040503050406030204" pitchFamily="18" charset="0"/>
+                        <a:cs typeface="Times New Roman" panose="02020603050405020304" pitchFamily="18" charset="0"/>
+                      </a:endParaRPr>
+                    </a:p>
+                  </a:txBody>
+                  <a:tcPr marL="0" marR="0" marT="0" marB="0" anchor="ctr"/>
+                </a:tc>
+                <a:tc>
+                  <a:txBody>
+                    <a:bodyPr/>
+                    <a:lstStyle/>
+                    <a:p>
+                      <a:pPr marL="63500" marR="63500" algn="r">
+                        <a:spcBef>
+                          <a:spcPts val="500"/>
+                        </a:spcBef>
+                        <a:spcAft>
+                          <a:spcPts val="500"/>
+                        </a:spcAft>
+                      </a:pPr>
+                      <a:r>
+                        <a:rPr lang="en-US" sz="1200">
+                          <a:effectLst/>
+                        </a:rPr>
+                        <a:t>401</a:t>
+                      </a:r>
+                      <a:endParaRPr lang="en-US" sz="1200">
+                        <a:effectLst/>
+                        <a:latin typeface="Cambria" panose="02040503050406030204" pitchFamily="18" charset="0"/>
+                        <a:ea typeface="Cambria" panose="02040503050406030204" pitchFamily="18" charset="0"/>
+                        <a:cs typeface="Times New Roman" panose="02020603050405020304" pitchFamily="18" charset="0"/>
+                      </a:endParaRPr>
+                    </a:p>
+                  </a:txBody>
+                  <a:tcPr marL="0" marR="0" marT="0" marB="0" anchor="ctr"/>
+                </a:tc>
+                <a:tc>
+                  <a:txBody>
+                    <a:bodyPr/>
+                    <a:lstStyle/>
+                    <a:p>
+                      <a:pPr marL="63500" marR="63500" algn="r">
+                        <a:spcBef>
+                          <a:spcPts val="500"/>
+                        </a:spcBef>
+                        <a:spcAft>
+                          <a:spcPts val="500"/>
+                        </a:spcAft>
+                      </a:pPr>
+                      <a:r>
+                        <a:rPr lang="en-US" sz="1200">
+                          <a:effectLst/>
+                        </a:rPr>
+                        <a:t>4,599</a:t>
+                      </a:r>
+                      <a:endParaRPr lang="en-US" sz="1200">
+                        <a:effectLst/>
+                        <a:latin typeface="Cambria" panose="02040503050406030204" pitchFamily="18" charset="0"/>
+                        <a:ea typeface="Cambria" panose="02040503050406030204" pitchFamily="18" charset="0"/>
+                        <a:cs typeface="Times New Roman" panose="02020603050405020304" pitchFamily="18" charset="0"/>
+                      </a:endParaRPr>
+                    </a:p>
+                  </a:txBody>
+                  <a:tcPr marL="0" marR="0" marT="0" marB="0" anchor="ctr"/>
+                </a:tc>
+                <a:tc>
+                  <a:txBody>
+                    <a:bodyPr/>
+                    <a:lstStyle/>
+                    <a:p>
+                      <a:pPr marL="63500" marR="63500" algn="r">
+                        <a:spcBef>
+                          <a:spcPts val="500"/>
+                        </a:spcBef>
+                        <a:spcAft>
+                          <a:spcPts val="500"/>
+                        </a:spcAft>
+                      </a:pPr>
+                      <a:r>
+                        <a:rPr lang="en-US" sz="1200" dirty="0">
+                          <a:effectLst/>
+                        </a:rPr>
+                        <a:t>5,000</a:t>
+                      </a:r>
+                      <a:endParaRPr lang="en-US" sz="1200" dirty="0">
+                        <a:effectLst/>
+                        <a:latin typeface="Cambria" panose="02040503050406030204" pitchFamily="18" charset="0"/>
+                        <a:ea typeface="Cambria" panose="02040503050406030204" pitchFamily="18" charset="0"/>
+                        <a:cs typeface="Times New Roman" panose="02020603050405020304" pitchFamily="18" charset="0"/>
+                      </a:endParaRPr>
+                    </a:p>
+                  </a:txBody>
+                  <a:tcPr marL="0" marR="0" marT="0" marB="0" anchor="ctr"/>
+                </a:tc>
+                <a:extLst>
+                  <a:ext uri="{0D108BD9-81ED-4DB2-BD59-A6C34878D82A}">
+                    <a16:rowId xmlns:a16="http://schemas.microsoft.com/office/drawing/2014/main" val="3673258726"/>
+                  </a:ext>
+                </a:extLst>
+              </a:tr>
+            </a:tbl>
+          </a:graphicData>
+        </a:graphic>
+      </p:graphicFrame>
+      <p:graphicFrame>
+        <p:nvGraphicFramePr>
+          <p:cNvPr id="8" name="Table 7">
+            <a:extLst>
+              <a:ext uri="{FF2B5EF4-FFF2-40B4-BE49-F238E27FC236}">
+                <a16:creationId xmlns:a16="http://schemas.microsoft.com/office/drawing/2014/main" id="{00329549-E69D-F64E-AD67-F705733A1729}"/>
+              </a:ext>
+            </a:extLst>
+          </p:cNvPr>
+          <p:cNvGraphicFramePr>
+            <a:graphicFrameLocks noGrp="1"/>
+          </p:cNvGraphicFramePr>
+          <p:nvPr>
+            <p:extLst>
+              <p:ext uri="{D42A27DB-BD31-4B8C-83A1-F6EECF244321}">
+                <p14:modId xmlns:p14="http://schemas.microsoft.com/office/powerpoint/2010/main" val="2598592455"/>
+              </p:ext>
+            </p:extLst>
+          </p:nvPr>
+        </p:nvGraphicFramePr>
+        <p:xfrm>
+          <a:off x="6189154" y="3349634"/>
+          <a:ext cx="4600743" cy="1828444"/>
+        </p:xfrm>
+        <a:graphic>
+          <a:graphicData uri="http://schemas.openxmlformats.org/drawingml/2006/table">
+            <a:tbl>
+              <a:tblPr firstRow="1" bandRow="1">
+                <a:tableStyleId>{5C22544A-7EE6-4342-B048-85BDC9FD1C3A}</a:tableStyleId>
+              </a:tblPr>
+              <a:tblGrid>
+                <a:gridCol w="1023280">
+                  <a:extLst>
+                    <a:ext uri="{9D8B030D-6E8A-4147-A177-3AD203B41FA5}">
+                      <a16:colId xmlns:a16="http://schemas.microsoft.com/office/drawing/2014/main" val="854129220"/>
+                    </a:ext>
+                  </a:extLst>
+                </a:gridCol>
+                <a:gridCol w="1023280">
+                  <a:extLst>
+                    <a:ext uri="{9D8B030D-6E8A-4147-A177-3AD203B41FA5}">
+                      <a16:colId xmlns:a16="http://schemas.microsoft.com/office/drawing/2014/main" val="3633728502"/>
+                    </a:ext>
+                  </a:extLst>
+                </a:gridCol>
+                <a:gridCol w="1023280">
+                  <a:extLst>
+                    <a:ext uri="{9D8B030D-6E8A-4147-A177-3AD203B41FA5}">
+                      <a16:colId xmlns:a16="http://schemas.microsoft.com/office/drawing/2014/main" val="376657950"/>
+                    </a:ext>
+                  </a:extLst>
+                </a:gridCol>
+                <a:gridCol w="1023280">
+                  <a:extLst>
+                    <a:ext uri="{9D8B030D-6E8A-4147-A177-3AD203B41FA5}">
+                      <a16:colId xmlns:a16="http://schemas.microsoft.com/office/drawing/2014/main" val="3371360787"/>
+                    </a:ext>
+                  </a:extLst>
+                </a:gridCol>
+                <a:gridCol w="507623">
+                  <a:extLst>
+                    <a:ext uri="{9D8B030D-6E8A-4147-A177-3AD203B41FA5}">
+                      <a16:colId xmlns:a16="http://schemas.microsoft.com/office/drawing/2014/main" val="2060374371"/>
+                    </a:ext>
+                  </a:extLst>
+                </a:gridCol>
+              </a:tblGrid>
+              <a:tr h="307988">
+                <a:tc gridSpan="2">
+                  <a:txBody>
+                    <a:bodyPr/>
+                    <a:lstStyle/>
+                    <a:p>
+                      <a:pPr marL="63500" marR="63500" algn="ctr">
+                        <a:spcBef>
+                          <a:spcPts val="500"/>
+                        </a:spcBef>
+                        <a:spcAft>
+                          <a:spcPts val="500"/>
+                        </a:spcAft>
+                      </a:pPr>
+                      <a:r>
+                        <a:rPr lang="en-US" sz="1200">
+                          <a:effectLst/>
+                        </a:rPr>
+                        <a:t> </a:t>
+                      </a:r>
+                      <a:endParaRPr lang="en-US" sz="1200">
+                        <a:effectLst/>
+                        <a:latin typeface="Cambria" panose="02040503050406030204" pitchFamily="18" charset="0"/>
+                        <a:ea typeface="Cambria" panose="02040503050406030204" pitchFamily="18" charset="0"/>
+                        <a:cs typeface="Times New Roman" panose="02020603050405020304" pitchFamily="18" charset="0"/>
+                      </a:endParaRPr>
+                    </a:p>
+                  </a:txBody>
+                  <a:tcPr marL="0" marR="0" marT="0" marB="0" anchor="ctr"/>
+                </a:tc>
+                <a:tc hMerge="1">
+                  <a:txBody>
+                    <a:bodyPr/>
+                    <a:lstStyle/>
+                    <a:p>
+                      <a:endParaRPr lang="en-US"/>
+                    </a:p>
+                  </a:txBody>
+                  <a:tcPr/>
+                </a:tc>
+                <a:tc gridSpan="2">
+                  <a:txBody>
+                    <a:bodyPr/>
+                    <a:lstStyle/>
+                    <a:p>
+                      <a:pPr marL="63500" marR="63500" algn="ctr">
+                        <a:spcBef>
+                          <a:spcPts val="500"/>
+                        </a:spcBef>
+                        <a:spcAft>
+                          <a:spcPts val="500"/>
+                        </a:spcAft>
+                      </a:pPr>
+                      <a:r>
+                        <a:rPr lang="en-US" sz="1400">
+                          <a:effectLst/>
+                        </a:rPr>
+                        <a:t>Truth</a:t>
+                      </a:r>
+                      <a:endParaRPr lang="en-US" sz="1200">
+                        <a:effectLst/>
+                        <a:latin typeface="Cambria" panose="02040503050406030204" pitchFamily="18" charset="0"/>
+                        <a:ea typeface="Cambria" panose="02040503050406030204" pitchFamily="18" charset="0"/>
+                        <a:cs typeface="Times New Roman" panose="02020603050405020304" pitchFamily="18" charset="0"/>
+                      </a:endParaRPr>
+                    </a:p>
+                  </a:txBody>
+                  <a:tcPr marL="0" marR="0" marT="0" marB="0" anchor="ctr"/>
+                </a:tc>
+                <a:tc hMerge="1">
+                  <a:txBody>
+                    <a:bodyPr/>
+                    <a:lstStyle/>
+                    <a:p>
+                      <a:endParaRPr lang="en-US"/>
+                    </a:p>
+                  </a:txBody>
+                  <a:tcPr/>
+                </a:tc>
+                <a:tc>
+                  <a:txBody>
+                    <a:bodyPr/>
+                    <a:lstStyle/>
+                    <a:p>
+                      <a:pPr marL="63500" marR="63500" algn="ctr">
+                        <a:spcBef>
+                          <a:spcPts val="500"/>
+                        </a:spcBef>
+                        <a:spcAft>
+                          <a:spcPts val="500"/>
+                        </a:spcAft>
+                      </a:pPr>
+                      <a:r>
+                        <a:rPr lang="en-US" sz="1200">
+                          <a:effectLst/>
+                        </a:rPr>
+                        <a:t> </a:t>
+                      </a:r>
+                      <a:endParaRPr lang="en-US" sz="1200">
+                        <a:effectLst/>
+                        <a:latin typeface="Cambria" panose="02040503050406030204" pitchFamily="18" charset="0"/>
+                        <a:ea typeface="Cambria" panose="02040503050406030204" pitchFamily="18" charset="0"/>
+                        <a:cs typeface="Times New Roman" panose="02020603050405020304" pitchFamily="18" charset="0"/>
+                      </a:endParaRPr>
+                    </a:p>
+                  </a:txBody>
+                  <a:tcPr marL="0" marR="0" marT="0" marB="0" anchor="ctr"/>
+                </a:tc>
+                <a:extLst>
+                  <a:ext uri="{0D108BD9-81ED-4DB2-BD59-A6C34878D82A}">
+                    <a16:rowId xmlns:a16="http://schemas.microsoft.com/office/drawing/2014/main" val="3475799809"/>
+                  </a:ext>
+                </a:extLst>
+              </a:tr>
+              <a:tr h="496239">
+                <a:tc>
+                  <a:txBody>
+                    <a:bodyPr/>
+                    <a:lstStyle/>
+                    <a:p>
+                      <a:pPr marL="63500" marR="63500" algn="ctr">
+                        <a:spcBef>
+                          <a:spcPts val="500"/>
+                        </a:spcBef>
+                        <a:spcAft>
+                          <a:spcPts val="500"/>
+                        </a:spcAft>
+                      </a:pPr>
+                      <a:r>
+                        <a:rPr lang="en-US" sz="1200">
+                          <a:effectLst/>
+                        </a:rPr>
+                        <a:t> </a:t>
+                      </a:r>
+                      <a:endParaRPr lang="en-US" sz="1200">
+                        <a:effectLst/>
+                        <a:latin typeface="Cambria" panose="02040503050406030204" pitchFamily="18" charset="0"/>
+                        <a:ea typeface="Cambria" panose="02040503050406030204" pitchFamily="18" charset="0"/>
+                        <a:cs typeface="Times New Roman" panose="02020603050405020304" pitchFamily="18" charset="0"/>
+                      </a:endParaRPr>
+                    </a:p>
+                  </a:txBody>
+                  <a:tcPr marL="0" marR="0" marT="0" marB="0" anchor="ctr"/>
+                </a:tc>
+                <a:tc>
+                  <a:txBody>
+                    <a:bodyPr/>
+                    <a:lstStyle/>
+                    <a:p>
+                      <a:pPr marL="63500" marR="63500" algn="ctr">
+                        <a:spcBef>
+                          <a:spcPts val="500"/>
+                        </a:spcBef>
+                        <a:spcAft>
+                          <a:spcPts val="500"/>
+                        </a:spcAft>
+                      </a:pPr>
+                      <a:r>
+                        <a:rPr lang="en-US" sz="1200">
+                          <a:effectLst/>
+                        </a:rPr>
+                        <a:t> </a:t>
+                      </a:r>
+                      <a:endParaRPr lang="en-US" sz="1200">
+                        <a:effectLst/>
+                        <a:latin typeface="Cambria" panose="02040503050406030204" pitchFamily="18" charset="0"/>
+                        <a:ea typeface="Cambria" panose="02040503050406030204" pitchFamily="18" charset="0"/>
+                        <a:cs typeface="Times New Roman" panose="02020603050405020304" pitchFamily="18" charset="0"/>
+                      </a:endParaRPr>
+                    </a:p>
+                  </a:txBody>
+                  <a:tcPr marL="0" marR="0" marT="0" marB="0" anchor="ctr"/>
+                </a:tc>
+                <a:tc>
+                  <a:txBody>
+                    <a:bodyPr/>
+                    <a:lstStyle/>
+                    <a:p>
+                      <a:pPr marL="63500" marR="63500" algn="ctr">
+                        <a:spcBef>
+                          <a:spcPts val="500"/>
+                        </a:spcBef>
+                        <a:spcAft>
+                          <a:spcPts val="500"/>
+                        </a:spcAft>
+                      </a:pPr>
+                      <a:r>
+                        <a:rPr lang="en-US" sz="1200">
+                          <a:effectLst/>
+                        </a:rPr>
+                        <a:t>Defaulted</a:t>
+                      </a:r>
+                      <a:endParaRPr lang="en-US" sz="1200">
+                        <a:effectLst/>
+                        <a:latin typeface="Cambria" panose="02040503050406030204" pitchFamily="18" charset="0"/>
+                        <a:ea typeface="Cambria" panose="02040503050406030204" pitchFamily="18" charset="0"/>
+                        <a:cs typeface="Times New Roman" panose="02020603050405020304" pitchFamily="18" charset="0"/>
+                      </a:endParaRPr>
+                    </a:p>
+                  </a:txBody>
+                  <a:tcPr marL="0" marR="0" marT="0" marB="0" anchor="ctr"/>
+                </a:tc>
+                <a:tc>
+                  <a:txBody>
+                    <a:bodyPr/>
+                    <a:lstStyle/>
+                    <a:p>
+                      <a:pPr marL="63500" marR="63500" algn="ctr">
+                        <a:spcBef>
+                          <a:spcPts val="500"/>
+                        </a:spcBef>
+                        <a:spcAft>
+                          <a:spcPts val="500"/>
+                        </a:spcAft>
+                      </a:pPr>
+                      <a:r>
+                        <a:rPr lang="en-US" sz="1200">
+                          <a:effectLst/>
+                        </a:rPr>
+                        <a:t>Did Not Default</a:t>
+                      </a:r>
+                      <a:endParaRPr lang="en-US" sz="1200">
+                        <a:effectLst/>
+                        <a:latin typeface="Cambria" panose="02040503050406030204" pitchFamily="18" charset="0"/>
+                        <a:ea typeface="Cambria" panose="02040503050406030204" pitchFamily="18" charset="0"/>
+                        <a:cs typeface="Times New Roman" panose="02020603050405020304" pitchFamily="18" charset="0"/>
+                      </a:endParaRPr>
+                    </a:p>
+                  </a:txBody>
+                  <a:tcPr marL="0" marR="0" marT="0" marB="0" anchor="ctr"/>
+                </a:tc>
+                <a:tc>
+                  <a:txBody>
+                    <a:bodyPr/>
+                    <a:lstStyle/>
+                    <a:p>
+                      <a:pPr marL="63500" marR="63500" algn="ctr">
+                        <a:spcBef>
+                          <a:spcPts val="500"/>
+                        </a:spcBef>
+                        <a:spcAft>
+                          <a:spcPts val="500"/>
+                        </a:spcAft>
+                      </a:pPr>
+                      <a:r>
+                        <a:rPr lang="en-US" sz="1200">
+                          <a:effectLst/>
+                        </a:rPr>
+                        <a:t> </a:t>
+                      </a:r>
+                      <a:endParaRPr lang="en-US" sz="1200">
+                        <a:effectLst/>
+                        <a:latin typeface="Cambria" panose="02040503050406030204" pitchFamily="18" charset="0"/>
+                        <a:ea typeface="Cambria" panose="02040503050406030204" pitchFamily="18" charset="0"/>
+                        <a:cs typeface="Times New Roman" panose="02020603050405020304" pitchFamily="18" charset="0"/>
+                      </a:endParaRPr>
+                    </a:p>
+                  </a:txBody>
+                  <a:tcPr marL="0" marR="0" marT="0" marB="0" anchor="ctr"/>
+                </a:tc>
+                <a:extLst>
+                  <a:ext uri="{0D108BD9-81ED-4DB2-BD59-A6C34878D82A}">
+                    <a16:rowId xmlns:a16="http://schemas.microsoft.com/office/drawing/2014/main" val="4227549778"/>
+                  </a:ext>
+                </a:extLst>
+              </a:tr>
+              <a:tr h="263989">
+                <a:tc rowSpan="2">
+                  <a:txBody>
+                    <a:bodyPr/>
+                    <a:lstStyle/>
+                    <a:p>
+                      <a:pPr marL="63500" marR="63500">
+                        <a:spcBef>
+                          <a:spcPts val="500"/>
+                        </a:spcBef>
+                        <a:spcAft>
+                          <a:spcPts val="500"/>
+                        </a:spcAft>
+                      </a:pPr>
+                      <a:r>
+                        <a:rPr lang="en-US" sz="1400">
+                          <a:effectLst/>
+                        </a:rPr>
+                        <a:t>Prediction</a:t>
+                      </a:r>
+                      <a:endParaRPr lang="en-US" sz="1200">
+                        <a:effectLst/>
+                        <a:latin typeface="Cambria" panose="02040503050406030204" pitchFamily="18" charset="0"/>
+                        <a:ea typeface="Cambria" panose="02040503050406030204" pitchFamily="18" charset="0"/>
+                        <a:cs typeface="Times New Roman" panose="02020603050405020304" pitchFamily="18" charset="0"/>
+                      </a:endParaRPr>
+                    </a:p>
+                  </a:txBody>
+                  <a:tcPr marL="0" marR="0" marT="0" marB="0" anchor="ctr"/>
+                </a:tc>
+                <a:tc>
+                  <a:txBody>
+                    <a:bodyPr/>
+                    <a:lstStyle/>
+                    <a:p>
+                      <a:pPr marL="63500" marR="63500">
+                        <a:spcBef>
+                          <a:spcPts val="500"/>
+                        </a:spcBef>
+                        <a:spcAft>
+                          <a:spcPts val="500"/>
+                        </a:spcAft>
+                      </a:pPr>
+                      <a:r>
+                        <a:rPr lang="en-US" sz="1200">
+                          <a:effectLst/>
+                        </a:rPr>
+                        <a:t>Defaulted</a:t>
+                      </a:r>
+                      <a:endParaRPr lang="en-US" sz="1200">
+                        <a:effectLst/>
+                        <a:latin typeface="Cambria" panose="02040503050406030204" pitchFamily="18" charset="0"/>
+                        <a:ea typeface="Cambria" panose="02040503050406030204" pitchFamily="18" charset="0"/>
+                        <a:cs typeface="Times New Roman" panose="02020603050405020304" pitchFamily="18" charset="0"/>
+                      </a:endParaRPr>
+                    </a:p>
+                  </a:txBody>
+                  <a:tcPr marL="0" marR="0" marT="0" marB="0" anchor="ctr"/>
+                </a:tc>
+                <a:tc>
+                  <a:txBody>
+                    <a:bodyPr/>
+                    <a:lstStyle/>
+                    <a:p>
+                      <a:pPr marL="63500" marR="63500" algn="r">
+                        <a:spcBef>
+                          <a:spcPts val="500"/>
+                        </a:spcBef>
+                        <a:spcAft>
+                          <a:spcPts val="500"/>
+                        </a:spcAft>
+                      </a:pPr>
+                      <a:r>
+                        <a:rPr lang="en-US" sz="1200">
+                          <a:effectLst/>
+                        </a:rPr>
+                        <a:t>390</a:t>
+                      </a:r>
+                      <a:endParaRPr lang="en-US" sz="1200">
+                        <a:effectLst/>
+                        <a:latin typeface="Cambria" panose="02040503050406030204" pitchFamily="18" charset="0"/>
+                        <a:ea typeface="Cambria" panose="02040503050406030204" pitchFamily="18" charset="0"/>
+                        <a:cs typeface="Times New Roman" panose="02020603050405020304" pitchFamily="18" charset="0"/>
+                      </a:endParaRPr>
+                    </a:p>
+                  </a:txBody>
+                  <a:tcPr marL="0" marR="0" marT="0" marB="0" anchor="ctr"/>
+                </a:tc>
+                <a:tc>
+                  <a:txBody>
+                    <a:bodyPr/>
+                    <a:lstStyle/>
+                    <a:p>
+                      <a:pPr marL="63500" marR="63500" algn="r">
+                        <a:spcBef>
+                          <a:spcPts val="500"/>
+                        </a:spcBef>
+                        <a:spcAft>
+                          <a:spcPts val="500"/>
+                        </a:spcAft>
+                      </a:pPr>
+                      <a:r>
+                        <a:rPr lang="en-US" sz="1200">
+                          <a:effectLst/>
+                        </a:rPr>
+                        <a:t>3,060</a:t>
+                      </a:r>
+                      <a:endParaRPr lang="en-US" sz="1200">
+                        <a:effectLst/>
+                        <a:latin typeface="Cambria" panose="02040503050406030204" pitchFamily="18" charset="0"/>
+                        <a:ea typeface="Cambria" panose="02040503050406030204" pitchFamily="18" charset="0"/>
+                        <a:cs typeface="Times New Roman" panose="02020603050405020304" pitchFamily="18" charset="0"/>
+                      </a:endParaRPr>
+                    </a:p>
+                  </a:txBody>
+                  <a:tcPr marL="0" marR="0" marT="0" marB="0" anchor="ctr"/>
+                </a:tc>
+                <a:tc>
+                  <a:txBody>
+                    <a:bodyPr/>
+                    <a:lstStyle/>
+                    <a:p>
+                      <a:pPr marL="63500" marR="63500" algn="r">
+                        <a:spcBef>
+                          <a:spcPts val="500"/>
+                        </a:spcBef>
+                        <a:spcAft>
+                          <a:spcPts val="500"/>
+                        </a:spcAft>
+                      </a:pPr>
+                      <a:r>
+                        <a:rPr lang="en-US" sz="1200">
+                          <a:effectLst/>
+                        </a:rPr>
+                        <a:t>3,450</a:t>
+                      </a:r>
+                      <a:endParaRPr lang="en-US" sz="1200">
+                        <a:effectLst/>
+                        <a:latin typeface="Cambria" panose="02040503050406030204" pitchFamily="18" charset="0"/>
+                        <a:ea typeface="Cambria" panose="02040503050406030204" pitchFamily="18" charset="0"/>
+                        <a:cs typeface="Times New Roman" panose="02020603050405020304" pitchFamily="18" charset="0"/>
+                      </a:endParaRPr>
+                    </a:p>
+                  </a:txBody>
+                  <a:tcPr marL="0" marR="0" marT="0" marB="0" anchor="ctr"/>
+                </a:tc>
+                <a:extLst>
+                  <a:ext uri="{0D108BD9-81ED-4DB2-BD59-A6C34878D82A}">
+                    <a16:rowId xmlns:a16="http://schemas.microsoft.com/office/drawing/2014/main" val="1572159296"/>
+                  </a:ext>
+                </a:extLst>
+              </a:tr>
+              <a:tr h="496239">
+                <a:tc vMerge="1">
+                  <a:txBody>
+                    <a:bodyPr/>
+                    <a:lstStyle/>
+                    <a:p>
+                      <a:endParaRPr lang="en-US"/>
+                    </a:p>
+                  </a:txBody>
+                  <a:tcPr/>
+                </a:tc>
+                <a:tc>
+                  <a:txBody>
+                    <a:bodyPr/>
+                    <a:lstStyle/>
+                    <a:p>
+                      <a:pPr marL="63500" marR="63500">
+                        <a:spcBef>
+                          <a:spcPts val="500"/>
+                        </a:spcBef>
+                        <a:spcAft>
+                          <a:spcPts val="500"/>
+                        </a:spcAft>
+                      </a:pPr>
+                      <a:r>
+                        <a:rPr lang="en-US" sz="1200">
+                          <a:effectLst/>
+                        </a:rPr>
+                        <a:t>Did Not Default</a:t>
+                      </a:r>
+                      <a:endParaRPr lang="en-US" sz="1200">
+                        <a:effectLst/>
+                        <a:latin typeface="Cambria" panose="02040503050406030204" pitchFamily="18" charset="0"/>
+                        <a:ea typeface="Cambria" panose="02040503050406030204" pitchFamily="18" charset="0"/>
+                        <a:cs typeface="Times New Roman" panose="02020603050405020304" pitchFamily="18" charset="0"/>
+                      </a:endParaRPr>
+                    </a:p>
+                  </a:txBody>
+                  <a:tcPr marL="0" marR="0" marT="0" marB="0" anchor="ctr"/>
+                </a:tc>
+                <a:tc>
+                  <a:txBody>
+                    <a:bodyPr/>
+                    <a:lstStyle/>
+                    <a:p>
+                      <a:pPr marL="63500" marR="63500" algn="r">
+                        <a:spcBef>
+                          <a:spcPts val="500"/>
+                        </a:spcBef>
+                        <a:spcAft>
+                          <a:spcPts val="500"/>
+                        </a:spcAft>
+                      </a:pPr>
+                      <a:r>
+                        <a:rPr lang="en-US" sz="1200">
+                          <a:effectLst/>
+                        </a:rPr>
+                        <a:t>11</a:t>
+                      </a:r>
+                      <a:endParaRPr lang="en-US" sz="1200">
+                        <a:effectLst/>
+                        <a:latin typeface="Cambria" panose="02040503050406030204" pitchFamily="18" charset="0"/>
+                        <a:ea typeface="Cambria" panose="02040503050406030204" pitchFamily="18" charset="0"/>
+                        <a:cs typeface="Times New Roman" panose="02020603050405020304" pitchFamily="18" charset="0"/>
+                      </a:endParaRPr>
+                    </a:p>
+                  </a:txBody>
+                  <a:tcPr marL="0" marR="0" marT="0" marB="0" anchor="ctr"/>
+                </a:tc>
+                <a:tc>
+                  <a:txBody>
+                    <a:bodyPr/>
+                    <a:lstStyle/>
+                    <a:p>
+                      <a:pPr marL="63500" marR="63500" algn="r">
+                        <a:spcBef>
+                          <a:spcPts val="500"/>
+                        </a:spcBef>
+                        <a:spcAft>
+                          <a:spcPts val="500"/>
+                        </a:spcAft>
+                      </a:pPr>
+                      <a:r>
+                        <a:rPr lang="en-US" sz="1200">
+                          <a:effectLst/>
+                        </a:rPr>
+                        <a:t>1,539</a:t>
+                      </a:r>
+                      <a:endParaRPr lang="en-US" sz="1200">
+                        <a:effectLst/>
+                        <a:latin typeface="Cambria" panose="02040503050406030204" pitchFamily="18" charset="0"/>
+                        <a:ea typeface="Cambria" panose="02040503050406030204" pitchFamily="18" charset="0"/>
+                        <a:cs typeface="Times New Roman" panose="02020603050405020304" pitchFamily="18" charset="0"/>
+                      </a:endParaRPr>
+                    </a:p>
+                  </a:txBody>
+                  <a:tcPr marL="0" marR="0" marT="0" marB="0" anchor="ctr"/>
+                </a:tc>
+                <a:tc>
+                  <a:txBody>
+                    <a:bodyPr/>
+                    <a:lstStyle/>
+                    <a:p>
+                      <a:pPr marL="63500" marR="63500" algn="r">
+                        <a:spcBef>
+                          <a:spcPts val="500"/>
+                        </a:spcBef>
+                        <a:spcAft>
+                          <a:spcPts val="500"/>
+                        </a:spcAft>
+                      </a:pPr>
+                      <a:r>
+                        <a:rPr lang="en-US" sz="1200">
+                          <a:effectLst/>
+                        </a:rPr>
+                        <a:t>1,550</a:t>
+                      </a:r>
+                      <a:endParaRPr lang="en-US" sz="1200">
+                        <a:effectLst/>
+                        <a:latin typeface="Cambria" panose="02040503050406030204" pitchFamily="18" charset="0"/>
+                        <a:ea typeface="Cambria" panose="02040503050406030204" pitchFamily="18" charset="0"/>
+                        <a:cs typeface="Times New Roman" panose="02020603050405020304" pitchFamily="18" charset="0"/>
+                      </a:endParaRPr>
+                    </a:p>
+                  </a:txBody>
+                  <a:tcPr marL="0" marR="0" marT="0" marB="0" anchor="ctr"/>
+                </a:tc>
+                <a:extLst>
+                  <a:ext uri="{0D108BD9-81ED-4DB2-BD59-A6C34878D82A}">
+                    <a16:rowId xmlns:a16="http://schemas.microsoft.com/office/drawing/2014/main" val="2396960087"/>
+                  </a:ext>
+                </a:extLst>
+              </a:tr>
+              <a:tr h="263989">
+                <a:tc>
+                  <a:txBody>
+                    <a:bodyPr/>
+                    <a:lstStyle/>
+                    <a:p>
+                      <a:pPr marL="63500" marR="63500">
+                        <a:spcBef>
+                          <a:spcPts val="500"/>
+                        </a:spcBef>
+                        <a:spcAft>
+                          <a:spcPts val="500"/>
+                        </a:spcAft>
+                      </a:pPr>
+                      <a:r>
+                        <a:rPr lang="en-US" sz="1200">
+                          <a:effectLst/>
+                        </a:rPr>
+                        <a:t> </a:t>
+                      </a:r>
+                      <a:endParaRPr lang="en-US" sz="1200">
+                        <a:effectLst/>
+                        <a:latin typeface="Cambria" panose="02040503050406030204" pitchFamily="18" charset="0"/>
+                        <a:ea typeface="Cambria" panose="02040503050406030204" pitchFamily="18" charset="0"/>
+                        <a:cs typeface="Times New Roman" panose="02020603050405020304" pitchFamily="18" charset="0"/>
+                      </a:endParaRPr>
+                    </a:p>
+                  </a:txBody>
+                  <a:tcPr marL="0" marR="0" marT="0" marB="0" anchor="ctr"/>
+                </a:tc>
+                <a:tc>
+                  <a:txBody>
+                    <a:bodyPr/>
+                    <a:lstStyle/>
+                    <a:p>
+                      <a:pPr marL="63500" marR="63500">
+                        <a:spcBef>
+                          <a:spcPts val="500"/>
+                        </a:spcBef>
+                        <a:spcAft>
+                          <a:spcPts val="500"/>
+                        </a:spcAft>
+                      </a:pPr>
+                      <a:r>
+                        <a:rPr lang="en-US" sz="1200">
+                          <a:effectLst/>
+                        </a:rPr>
+                        <a:t> </a:t>
+                      </a:r>
+                      <a:endParaRPr lang="en-US" sz="1200">
+                        <a:effectLst/>
+                        <a:latin typeface="Cambria" panose="02040503050406030204" pitchFamily="18" charset="0"/>
+                        <a:ea typeface="Cambria" panose="02040503050406030204" pitchFamily="18" charset="0"/>
+                        <a:cs typeface="Times New Roman" panose="02020603050405020304" pitchFamily="18" charset="0"/>
+                      </a:endParaRPr>
+                    </a:p>
+                  </a:txBody>
+                  <a:tcPr marL="0" marR="0" marT="0" marB="0" anchor="ctr"/>
+                </a:tc>
+                <a:tc>
+                  <a:txBody>
+                    <a:bodyPr/>
+                    <a:lstStyle/>
+                    <a:p>
+                      <a:pPr marL="63500" marR="63500" algn="r">
+                        <a:spcBef>
+                          <a:spcPts val="500"/>
+                        </a:spcBef>
+                        <a:spcAft>
+                          <a:spcPts val="500"/>
+                        </a:spcAft>
+                      </a:pPr>
+                      <a:r>
+                        <a:rPr lang="en-US" sz="1200">
+                          <a:effectLst/>
+                        </a:rPr>
+                        <a:t>401</a:t>
+                      </a:r>
+                      <a:endParaRPr lang="en-US" sz="1200">
+                        <a:effectLst/>
+                        <a:latin typeface="Cambria" panose="02040503050406030204" pitchFamily="18" charset="0"/>
+                        <a:ea typeface="Cambria" panose="02040503050406030204" pitchFamily="18" charset="0"/>
+                        <a:cs typeface="Times New Roman" panose="02020603050405020304" pitchFamily="18" charset="0"/>
+                      </a:endParaRPr>
+                    </a:p>
+                  </a:txBody>
+                  <a:tcPr marL="0" marR="0" marT="0" marB="0" anchor="ctr"/>
+                </a:tc>
+                <a:tc>
+                  <a:txBody>
+                    <a:bodyPr/>
+                    <a:lstStyle/>
+                    <a:p>
+                      <a:pPr marL="63500" marR="63500" algn="r">
+                        <a:spcBef>
+                          <a:spcPts val="500"/>
+                        </a:spcBef>
+                        <a:spcAft>
+                          <a:spcPts val="500"/>
+                        </a:spcAft>
+                      </a:pPr>
+                      <a:r>
+                        <a:rPr lang="en-US" sz="1200">
+                          <a:effectLst/>
+                        </a:rPr>
+                        <a:t>4,599</a:t>
+                      </a:r>
+                      <a:endParaRPr lang="en-US" sz="1200">
+                        <a:effectLst/>
+                        <a:latin typeface="Cambria" panose="02040503050406030204" pitchFamily="18" charset="0"/>
+                        <a:ea typeface="Cambria" panose="02040503050406030204" pitchFamily="18" charset="0"/>
+                        <a:cs typeface="Times New Roman" panose="02020603050405020304" pitchFamily="18" charset="0"/>
+                      </a:endParaRPr>
+                    </a:p>
+                  </a:txBody>
+                  <a:tcPr marL="0" marR="0" marT="0" marB="0" anchor="ctr"/>
+                </a:tc>
+                <a:tc>
+                  <a:txBody>
+                    <a:bodyPr/>
+                    <a:lstStyle/>
+                    <a:p>
+                      <a:pPr marL="63500" marR="63500" algn="r">
+                        <a:spcBef>
+                          <a:spcPts val="500"/>
+                        </a:spcBef>
+                        <a:spcAft>
+                          <a:spcPts val="500"/>
+                        </a:spcAft>
+                      </a:pPr>
+                      <a:r>
+                        <a:rPr lang="en-US" sz="1200" dirty="0">
+                          <a:effectLst/>
+                        </a:rPr>
+                        <a:t>5,000</a:t>
+                      </a:r>
+                      <a:endParaRPr lang="en-US" sz="1200" dirty="0">
+                        <a:effectLst/>
+                        <a:latin typeface="Cambria" panose="02040503050406030204" pitchFamily="18" charset="0"/>
+                        <a:ea typeface="Cambria" panose="02040503050406030204" pitchFamily="18" charset="0"/>
+                        <a:cs typeface="Times New Roman" panose="02020603050405020304" pitchFamily="18" charset="0"/>
+                      </a:endParaRPr>
+                    </a:p>
+                  </a:txBody>
+                  <a:tcPr marL="0" marR="0" marT="0" marB="0" anchor="ctr"/>
+                </a:tc>
+                <a:extLst>
+                  <a:ext uri="{0D108BD9-81ED-4DB2-BD59-A6C34878D82A}">
+                    <a16:rowId xmlns:a16="http://schemas.microsoft.com/office/drawing/2014/main" val="4025491231"/>
+                  </a:ext>
+                </a:extLst>
+              </a:tr>
+            </a:tbl>
+          </a:graphicData>
+        </a:graphic>
+      </p:graphicFrame>
     </p:spTree>
     <p:extLst>
       <p:ext uri="{BB962C8B-B14F-4D97-AF65-F5344CB8AC3E}">
@@ -7930,6 +9507,66 @@
           </a:p>
         </p:txBody>
       </p:sp>
+      <p:pic>
+        <p:nvPicPr>
+          <p:cNvPr id="5" name="Picture 4">
+            <a:extLst>
+              <a:ext uri="{FF2B5EF4-FFF2-40B4-BE49-F238E27FC236}">
+                <a16:creationId xmlns:a16="http://schemas.microsoft.com/office/drawing/2014/main" id="{479171A0-55BF-5945-80B4-BFE18768B2EC}"/>
+              </a:ext>
+            </a:extLst>
+          </p:cNvPr>
+          <p:cNvPicPr>
+            <a:picLocks noChangeAspect="1"/>
+          </p:cNvPicPr>
+          <p:nvPr/>
+        </p:nvPicPr>
+        <p:blipFill>
+          <a:blip r:embed="rId2"/>
+          <a:stretch>
+            <a:fillRect/>
+          </a:stretch>
+        </p:blipFill>
+        <p:spPr>
+          <a:xfrm>
+            <a:off x="262759" y="2921245"/>
+            <a:ext cx="5326410" cy="2867474"/>
+          </a:xfrm>
+          <a:prstGeom prst="rect">
+            <a:avLst/>
+          </a:prstGeom>
+        </p:spPr>
+      </p:pic>
+      <p:pic>
+        <p:nvPicPr>
+          <p:cNvPr id="6" name="Picture 5">
+            <a:extLst>
+              <a:ext uri="{FF2B5EF4-FFF2-40B4-BE49-F238E27FC236}">
+                <a16:creationId xmlns:a16="http://schemas.microsoft.com/office/drawing/2014/main" id="{A23173FD-1F93-C845-A7B2-6D9CE2C54C08}"/>
+              </a:ext>
+            </a:extLst>
+          </p:cNvPr>
+          <p:cNvPicPr>
+            <a:picLocks noChangeAspect="1"/>
+          </p:cNvPicPr>
+          <p:nvPr/>
+        </p:nvPicPr>
+        <p:blipFill>
+          <a:blip r:embed="rId3"/>
+          <a:stretch>
+            <a:fillRect/>
+          </a:stretch>
+        </p:blipFill>
+        <p:spPr>
+          <a:xfrm>
+            <a:off x="6189217" y="2921244"/>
+            <a:ext cx="5900136" cy="3306481"/>
+          </a:xfrm>
+          <a:prstGeom prst="rect">
+            <a:avLst/>
+          </a:prstGeom>
+        </p:spPr>
+      </p:pic>
     </p:spTree>
     <p:extLst>
       <p:ext uri="{BB962C8B-B14F-4D97-AF65-F5344CB8AC3E}">
@@ -8287,12 +9924,42 @@
           </a:p>
         </p:txBody>
       </p:sp>
+      <p:pic>
+        <p:nvPicPr>
+          <p:cNvPr id="4" name="Picture 3">
+            <a:extLst>
+              <a:ext uri="{FF2B5EF4-FFF2-40B4-BE49-F238E27FC236}">
+                <a16:creationId xmlns:a16="http://schemas.microsoft.com/office/drawing/2014/main" id="{7CCA4BC7-F7DF-0649-B68F-E76D4736EFA6}"/>
+              </a:ext>
+            </a:extLst>
+          </p:cNvPr>
+          <p:cNvPicPr>
+            <a:picLocks noChangeAspect="1"/>
+          </p:cNvPicPr>
+          <p:nvPr/>
+        </p:nvPicPr>
+        <p:blipFill>
+          <a:blip r:embed="rId2"/>
+          <a:stretch>
+            <a:fillRect/>
+          </a:stretch>
+        </p:blipFill>
+        <p:spPr>
+          <a:xfrm>
+            <a:off x="4840384" y="2394555"/>
+            <a:ext cx="6614209" cy="3395837"/>
+          </a:xfrm>
+          <a:prstGeom prst="rect">
+            <a:avLst/>
+          </a:prstGeom>
+        </p:spPr>
+      </p:pic>
       <p:sp>
         <p:nvSpPr>
-          <p:cNvPr id="3" name="Content Placeholder 2">
+          <p:cNvPr id="13" name="Content Placeholder 2">
             <a:extLst>
               <a:ext uri="{FF2B5EF4-FFF2-40B4-BE49-F238E27FC236}">
-                <a16:creationId xmlns:a16="http://schemas.microsoft.com/office/drawing/2014/main" id="{FCE31D46-3AEB-4042-A79F-7FB19401D9C4}"/>
+                <a16:creationId xmlns:a16="http://schemas.microsoft.com/office/drawing/2014/main" id="{6465DC7A-DB12-164E-95CC-934645429B50}"/>
               </a:ext>
             </a:extLst>
           </p:cNvPr>
@@ -8300,22 +9967,31 @@
             <a:spLocks noGrp="1"/>
           </p:cNvSpPr>
           <p:nvPr>
-            <p:ph idx="1"/>
+            <p:ph sz="half" idx="1"/>
           </p:nvPr>
         </p:nvSpPr>
         <p:spPr>
           <a:xfrm>
-            <a:off x="793660" y="2599509"/>
-            <a:ext cx="10143668" cy="3435531"/>
+            <a:off x="838200" y="2398626"/>
+            <a:ext cx="3930953" cy="3730460"/>
           </a:xfrm>
         </p:spPr>
         <p:txBody>
-          <a:bodyPr anchor="ctr">
+          <a:bodyPr>
             <a:normAutofit/>
           </a:bodyPr>
           <a:lstStyle/>
           <a:p>
-            <a:endParaRPr lang="en-US" sz="2400"/>
+            <a:r>
+              <a:rPr lang="en-US" sz="2000" dirty="0"/>
+              <a:t>Rejection example based on Random Forest that shows how a change in a variable impacts model performance. </a:t>
+            </a:r>
+          </a:p>
+          <a:p>
+            <a:r>
+              <a:rPr lang="en-US" sz="2000" dirty="0"/>
+              <a:t>As seen in figure to the right, those who already have an account with bank XYZ do not receive favorable treatment</a:t>
+            </a:r>
           </a:p>
         </p:txBody>
       </p:sp>
@@ -9528,7 +11204,7 @@
           <a:lstStyle/>
           <a:p>
             <a:r>
-              <a:rPr lang="en-US" sz="2400" b="0" i="0">
+              <a:rPr lang="en-US" sz="2400" b="0" i="0" dirty="0">
                 <a:effectLst/>
               </a:rPr>
               <a:t>Credit risk plays a major role in the banking industry business. Banks main activities involve granting loan, credit card, investment, mortgage, and others.</a:t>
@@ -9536,7 +11212,7 @@
           </a:p>
           <a:p>
             <a:r>
-              <a:rPr lang="en-US" sz="2400" b="0" i="0">
+              <a:rPr lang="en-US" sz="2400" b="0" i="0" dirty="0">
                 <a:effectLst/>
               </a:rPr>
               <a:t>Credit card has been one of the most booming financial services by banks over the past years. However, with the growing number of credit card users, banks have been facing an escalating credit card default rate. </a:t>
@@ -9544,11 +11220,11 @@
           </a:p>
           <a:p>
             <a:r>
-              <a:rPr lang="en-US" sz="2400"/>
+              <a:rPr lang="en-US" sz="2400" dirty="0"/>
               <a:t>As such data science and machine learning can provide solutions to </a:t>
             </a:r>
             <a:r>
-              <a:rPr lang="en-US" sz="2400" b="0" i="0">
+              <a:rPr lang="en-US" sz="2400" b="0" i="0" dirty="0">
                 <a:effectLst/>
               </a:rPr>
               <a:t>tackle the current phenomenon and management credit risks.</a:t>
@@ -9556,7 +11232,7 @@
           </a:p>
           <a:p>
             <a:r>
-              <a:rPr lang="en-US" sz="2400"/>
+              <a:rPr lang="en-US" sz="2400" dirty="0"/>
               <a:t>Thus, Logistic Regression and Random Forest Classifier models are used to predict if the applicants for the credit card will default or not soon based on the given input data.</a:t>
             </a:r>
           </a:p>
@@ -9641,7 +11317,10 @@
           <a:bodyPr/>
           <a:lstStyle/>
           <a:p>
-            <a:endParaRPr lang="en-US" dirty="0"/>
+            <a:r>
+              <a:rPr lang="en-US" dirty="0"/>
+              <a:t>3 datasets</a:t>
+            </a:r>
           </a:p>
         </p:txBody>
       </p:sp>
@@ -9666,6 +11345,24 @@
           <a:bodyPr/>
           <a:lstStyle/>
           <a:p>
+            <a:r>
+              <a:rPr lang="en-US" dirty="0"/>
+              <a:t>Training – used to create model</a:t>
+            </a:r>
+          </a:p>
+          <a:p>
+            <a:r>
+              <a:rPr lang="en-US" dirty="0"/>
+              <a:t>Validation – qualify performance </a:t>
+            </a:r>
+          </a:p>
+          <a:p>
+            <a:r>
+              <a:rPr lang="en-US" dirty="0"/>
+              <a:t>Test – evaluate final model performance </a:t>
+            </a:r>
+          </a:p>
+          <a:p>
             <a:endParaRPr lang="en-US" dirty="0"/>
           </a:p>
         </p:txBody>
@@ -9691,7 +11388,7 @@
           <a:bodyPr/>
           <a:lstStyle/>
           <a:p>
-            <a:endParaRPr lang="en-US"/>
+            <a:endParaRPr lang="en-US" dirty="0"/>
           </a:p>
         </p:txBody>
       </p:sp>
@@ -9799,7 +11496,10 @@
           <a:bodyPr/>
           <a:lstStyle/>
           <a:p>
-            <a:endParaRPr lang="en-US" dirty="0"/>
+            <a:r>
+              <a:rPr lang="en-US" dirty="0"/>
+              <a:t>Univariate Statistics</a:t>
+            </a:r>
           </a:p>
         </p:txBody>
       </p:sp>
@@ -9824,60 +11524,97 @@
           <a:bodyPr/>
           <a:lstStyle/>
           <a:p>
-            <a:endParaRPr lang="en-US" dirty="0"/>
+            <a:r>
+              <a:rPr lang="en-US" dirty="0"/>
+              <a:t>Mean +/- SD and normality for continuous</a:t>
+            </a:r>
+          </a:p>
+          <a:p>
+            <a:r>
+              <a:rPr lang="en-US" dirty="0"/>
+              <a:t>N (%) for categorical</a:t>
+            </a:r>
+          </a:p>
+          <a:p>
+            <a:r>
+              <a:rPr lang="en-US" dirty="0"/>
+              <a:t>Median [IQR] for discrete counts</a:t>
+            </a:r>
+          </a:p>
+          <a:p>
+            <a:r>
+              <a:rPr lang="en-US" dirty="0"/>
+              <a:t>N missing for each variable</a:t>
+            </a:r>
+          </a:p>
+          <a:p>
+            <a:r>
+              <a:rPr lang="en-US" dirty="0"/>
+              <a:t>Compared between outcome groups (Did / did not default)	 </a:t>
+            </a:r>
           </a:p>
         </p:txBody>
       </p:sp>
-      <p:sp>
-        <p:nvSpPr>
-          <p:cNvPr id="5" name="Text Placeholder 4">
+      <p:pic>
+        <p:nvPicPr>
+          <p:cNvPr id="7" name="Picture 6">
             <a:extLst>
               <a:ext uri="{FF2B5EF4-FFF2-40B4-BE49-F238E27FC236}">
-                <a16:creationId xmlns:a16="http://schemas.microsoft.com/office/drawing/2014/main" id="{300FF200-917F-4231-8D39-D22C3C622DAF}"/>
+                <a16:creationId xmlns:a16="http://schemas.microsoft.com/office/drawing/2014/main" id="{72582B39-925D-3E43-9F6C-379DE2BA995C}"/>
               </a:ext>
             </a:extLst>
           </p:cNvPr>
-          <p:cNvSpPr>
-            <a:spLocks noGrp="1"/>
-          </p:cNvSpPr>
-          <p:nvPr>
-            <p:ph type="body" sz="quarter" idx="3"/>
-          </p:nvPr>
-        </p:nvSpPr>
-        <p:spPr/>
-        <p:txBody>
-          <a:bodyPr/>
-          <a:lstStyle/>
-          <a:p>
-            <a:endParaRPr lang="en-US"/>
-          </a:p>
-        </p:txBody>
-      </p:sp>
-      <p:sp>
-        <p:nvSpPr>
-          <p:cNvPr id="6" name="Content Placeholder 5">
+          <p:cNvPicPr>
+            <a:picLocks noChangeAspect="1"/>
+          </p:cNvPicPr>
+          <p:nvPr/>
+        </p:nvPicPr>
+        <p:blipFill>
+          <a:blip r:embed="rId2"/>
+          <a:stretch>
+            <a:fillRect/>
+          </a:stretch>
+        </p:blipFill>
+        <p:spPr>
+          <a:xfrm>
+            <a:off x="6174431" y="1495206"/>
+            <a:ext cx="2502050" cy="4997669"/>
+          </a:xfrm>
+          <a:prstGeom prst="rect">
+            <a:avLst/>
+          </a:prstGeom>
+        </p:spPr>
+      </p:pic>
+      <p:pic>
+        <p:nvPicPr>
+          <p:cNvPr id="8" name="Picture 7">
             <a:extLst>
               <a:ext uri="{FF2B5EF4-FFF2-40B4-BE49-F238E27FC236}">
-                <a16:creationId xmlns:a16="http://schemas.microsoft.com/office/drawing/2014/main" id="{9F4DED56-9FD4-488D-B7AF-B0DA3CA1D4BF}"/>
+                <a16:creationId xmlns:a16="http://schemas.microsoft.com/office/drawing/2014/main" id="{D9D671F1-4558-2C49-88F6-964618A989C7}"/>
               </a:ext>
             </a:extLst>
           </p:cNvPr>
-          <p:cNvSpPr>
-            <a:spLocks noGrp="1"/>
-          </p:cNvSpPr>
-          <p:nvPr>
-            <p:ph sz="quarter" idx="4"/>
-          </p:nvPr>
-        </p:nvSpPr>
-        <p:spPr/>
-        <p:txBody>
-          <a:bodyPr/>
-          <a:lstStyle/>
-          <a:p>
-            <a:endParaRPr lang="en-US" dirty="0"/>
-          </a:p>
-        </p:txBody>
-      </p:sp>
+          <p:cNvPicPr>
+            <a:picLocks noChangeAspect="1"/>
+          </p:cNvPicPr>
+          <p:nvPr/>
+        </p:nvPicPr>
+        <p:blipFill>
+          <a:blip r:embed="rId3"/>
+          <a:stretch>
+            <a:fillRect/>
+          </a:stretch>
+        </p:blipFill>
+        <p:spPr>
+          <a:xfrm>
+            <a:off x="9244040" y="1495205"/>
+            <a:ext cx="2580495" cy="4997669"/>
+          </a:xfrm>
+          <a:prstGeom prst="rect">
+            <a:avLst/>
+          </a:prstGeom>
+        </p:spPr>
+      </p:pic>
     </p:spTree>
     <p:extLst>
       <p:ext uri="{BB962C8B-B14F-4D97-AF65-F5344CB8AC3E}">
@@ -9958,7 +11695,10 @@
           <a:bodyPr/>
           <a:lstStyle/>
           <a:p>
-            <a:endParaRPr lang="en-US" dirty="0"/>
+            <a:r>
+              <a:rPr lang="en-US" dirty="0"/>
+              <a:t>Correlations between variables</a:t>
+            </a:r>
           </a:p>
         </p:txBody>
       </p:sp>
@@ -9983,60 +11723,64 @@
           <a:bodyPr/>
           <a:lstStyle/>
           <a:p>
+            <a:r>
+              <a:rPr lang="en-US" dirty="0"/>
+              <a:t>20 potential predictors</a:t>
+            </a:r>
+          </a:p>
+          <a:p>
+            <a:r>
+              <a:rPr lang="en-US" dirty="0"/>
+              <a:t>Suspected multicollinearity </a:t>
+            </a:r>
+          </a:p>
+          <a:p>
+            <a:r>
+              <a:rPr lang="en-US" dirty="0"/>
+              <a:t>Correlation matrix to examine what variables may vary together</a:t>
+            </a:r>
+          </a:p>
+          <a:p>
+            <a:r>
+              <a:rPr lang="en-US" dirty="0"/>
+              <a:t> </a:t>
+            </a:r>
+          </a:p>
+          <a:p>
             <a:endParaRPr lang="en-US" dirty="0"/>
           </a:p>
         </p:txBody>
       </p:sp>
-      <p:sp>
-        <p:nvSpPr>
-          <p:cNvPr id="5" name="Text Placeholder 4">
+      <p:pic>
+        <p:nvPicPr>
+          <p:cNvPr id="7" name="Picture 6">
             <a:extLst>
               <a:ext uri="{FF2B5EF4-FFF2-40B4-BE49-F238E27FC236}">
-                <a16:creationId xmlns:a16="http://schemas.microsoft.com/office/drawing/2014/main" id="{300FF200-917F-4231-8D39-D22C3C622DAF}"/>
+                <a16:creationId xmlns:a16="http://schemas.microsoft.com/office/drawing/2014/main" id="{45AF48C6-86E4-1540-9F79-A9CC034447F5}"/>
               </a:ext>
             </a:extLst>
           </p:cNvPr>
-          <p:cNvSpPr>
-            <a:spLocks noGrp="1"/>
-          </p:cNvSpPr>
-          <p:nvPr>
-            <p:ph type="body" sz="quarter" idx="3"/>
-          </p:nvPr>
-        </p:nvSpPr>
-        <p:spPr/>
-        <p:txBody>
-          <a:bodyPr/>
-          <a:lstStyle/>
-          <a:p>
-            <a:endParaRPr lang="en-US"/>
-          </a:p>
-        </p:txBody>
-      </p:sp>
-      <p:sp>
-        <p:nvSpPr>
-          <p:cNvPr id="6" name="Content Placeholder 5">
-            <a:extLst>
-              <a:ext uri="{FF2B5EF4-FFF2-40B4-BE49-F238E27FC236}">
-                <a16:creationId xmlns:a16="http://schemas.microsoft.com/office/drawing/2014/main" id="{9F4DED56-9FD4-488D-B7AF-B0DA3CA1D4BF}"/>
-              </a:ext>
-            </a:extLst>
-          </p:cNvPr>
-          <p:cNvSpPr>
-            <a:spLocks noGrp="1"/>
-          </p:cNvSpPr>
-          <p:nvPr>
-            <p:ph sz="quarter" idx="4"/>
-          </p:nvPr>
-        </p:nvSpPr>
-        <p:spPr/>
-        <p:txBody>
-          <a:bodyPr/>
-          <a:lstStyle/>
-          <a:p>
-            <a:endParaRPr lang="en-US" dirty="0"/>
-          </a:p>
-        </p:txBody>
-      </p:sp>
+          <p:cNvPicPr>
+            <a:picLocks noChangeAspect="1"/>
+          </p:cNvPicPr>
+          <p:nvPr/>
+        </p:nvPicPr>
+        <p:blipFill>
+          <a:blip r:embed="rId2"/>
+          <a:stretch>
+            <a:fillRect/>
+          </a:stretch>
+        </p:blipFill>
+        <p:spPr>
+          <a:xfrm>
+            <a:off x="5640223" y="1599381"/>
+            <a:ext cx="5448191" cy="4783182"/>
+          </a:xfrm>
+          <a:prstGeom prst="rect">
+            <a:avLst/>
+          </a:prstGeom>
+        </p:spPr>
+      </p:pic>
     </p:spTree>
     <p:extLst>
       <p:ext uri="{BB962C8B-B14F-4D97-AF65-F5344CB8AC3E}">
@@ -10284,8 +12028,8 @@
           <a:lstStyle/>
           <a:p>
             <a:r>
-              <a:rPr lang="en-US" b="1"/>
-              <a:t>Classification</a:t>
+              <a:rPr lang="en-US" b="1" dirty="0"/>
+              <a:t>Feature Selection</a:t>
             </a:r>
           </a:p>
         </p:txBody>
@@ -10351,41 +12095,445 @@
           </a:p>
         </p:txBody>
       </p:sp>
-      <p:sp>
-        <p:nvSpPr>
-          <p:cNvPr id="3" name="Content Placeholder 2">
-            <a:extLst>
-              <a:ext uri="{FF2B5EF4-FFF2-40B4-BE49-F238E27FC236}">
-                <a16:creationId xmlns:a16="http://schemas.microsoft.com/office/drawing/2014/main" id="{EF8AF3CA-2D9D-4A94-BF36-EE3AF25C3482}"/>
-              </a:ext>
-            </a:extLst>
-          </p:cNvPr>
-          <p:cNvSpPr>
-            <a:spLocks noGrp="1"/>
-          </p:cNvSpPr>
-          <p:nvPr>
-            <p:ph idx="1"/>
-          </p:nvPr>
-        </p:nvSpPr>
-        <p:spPr>
-          <a:xfrm>
-            <a:off x="838200" y="1825625"/>
-            <a:ext cx="10515600" cy="4351338"/>
-          </a:xfrm>
-        </p:spPr>
-        <p:txBody>
-          <a:bodyPr>
-            <a:normAutofit/>
-          </a:bodyPr>
-          <a:lstStyle/>
-          <a:p>
-            <a:r>
-              <a:rPr lang="en-US"/>
-              <a:t>Adaptive LASSO</a:t>
-            </a:r>
-          </a:p>
-        </p:txBody>
-      </p:sp>
+      <mc:AlternateContent xmlns:mc="http://schemas.openxmlformats.org/markup-compatibility/2006">
+        <mc:Choice xmlns:a14="http://schemas.microsoft.com/office/drawing/2010/main" Requires="a14">
+          <p:sp>
+            <p:nvSpPr>
+              <p:cNvPr id="3" name="Content Placeholder 2">
+                <a:extLst>
+                  <a:ext uri="{FF2B5EF4-FFF2-40B4-BE49-F238E27FC236}">
+                    <a16:creationId xmlns:a16="http://schemas.microsoft.com/office/drawing/2014/main" id="{EF8AF3CA-2D9D-4A94-BF36-EE3AF25C3482}"/>
+                  </a:ext>
+                </a:extLst>
+              </p:cNvPr>
+              <p:cNvSpPr>
+                <a:spLocks noGrp="1"/>
+              </p:cNvSpPr>
+              <p:nvPr>
+                <p:ph idx="1"/>
+              </p:nvPr>
+            </p:nvSpPr>
+            <p:spPr>
+              <a:xfrm>
+                <a:off x="838200" y="1825625"/>
+                <a:ext cx="10515600" cy="4351338"/>
+              </a:xfrm>
+            </p:spPr>
+            <p:txBody>
+              <a:bodyPr>
+                <a:normAutofit/>
+              </a:bodyPr>
+              <a:lstStyle/>
+              <a:p>
+                <a:r>
+                  <a:rPr lang="en-US" sz="2400" dirty="0"/>
+                  <a:t>We want to select covariates that are important in predicting whether or an individual will default or not and “penalize” (shrink) those that are not important</a:t>
+                </a:r>
+              </a:p>
+              <a:p>
+                <a:r>
+                  <a:rPr lang="en-US" sz="2400" dirty="0"/>
+                  <a:t>Adaptive Least Absolute Shrinkage and Selection Operator (LASSO) Logistic Regression was performed to select covariates and predict binary outcome</a:t>
+                </a:r>
+              </a:p>
+              <a:p>
+                <a:r>
+                  <a:rPr lang="en-US" sz="2400" dirty="0"/>
+                  <a:t> </a:t>
+                </a:r>
+                <a14:m>
+                  <m:oMath xmlns:m="http://schemas.openxmlformats.org/officeDocument/2006/math">
+                    <m:r>
+                      <a:rPr lang="en-US" sz="2400" i="1"/>
+                      <m:t>𝑙𝑜𝑔𝑖𝑡</m:t>
+                    </m:r>
+                    <m:r>
+                      <a:rPr lang="en-US" sz="2400" i="1"/>
+                      <m:t>(</m:t>
+                    </m:r>
+                    <m:r>
+                      <a:rPr lang="en-US" sz="2400" i="1"/>
+                      <m:t>𝐸</m:t>
+                    </m:r>
+                    <m:d>
+                      <m:dPr>
+                        <m:ctrlPr>
+                          <a:rPr lang="en-US" sz="2400" i="1"/>
+                        </m:ctrlPr>
+                      </m:dPr>
+                      <m:e>
+                        <m:r>
+                          <a:rPr lang="en-US" sz="2400" i="1"/>
+                          <m:t>𝑌</m:t>
+                        </m:r>
+                      </m:e>
+                      <m:e>
+                        <m:r>
+                          <a:rPr lang="en-US" sz="2400" b="1" i="1"/>
+                          <m:t>𝑿</m:t>
+                        </m:r>
+                      </m:e>
+                    </m:d>
+                    <m:r>
+                      <a:rPr lang="en-US" sz="2400" b="1" i="1"/>
+                      <m:t>=</m:t>
+                    </m:r>
+                    <m:sSup>
+                      <m:sSupPr>
+                        <m:ctrlPr>
+                          <a:rPr lang="en-US" sz="2400" b="1" i="1"/>
+                        </m:ctrlPr>
+                      </m:sSupPr>
+                      <m:e>
+                        <m:r>
+                          <a:rPr lang="en-US" sz="2400" b="1" i="1"/>
+                          <m:t>𝜷</m:t>
+                        </m:r>
+                      </m:e>
+                      <m:sup>
+                        <m:r>
+                          <a:rPr lang="en-US" sz="2400" b="1" i="1"/>
+                          <m:t>𝑻</m:t>
+                        </m:r>
+                      </m:sup>
+                    </m:sSup>
+                    <m:r>
+                      <a:rPr lang="en-US" sz="2400" b="1" i="1"/>
+                      <m:t>(</m:t>
+                    </m:r>
+                    <m:r>
+                      <a:rPr lang="en-US" sz="2400" b="1" i="1"/>
+                      <m:t>𝑿</m:t>
+                    </m:r>
+                    <m:r>
+                      <a:rPr lang="en-US" sz="2400" b="1" i="1"/>
+                      <m:t>)</m:t>
+                    </m:r>
+                  </m:oMath>
+                </a14:m>
+                <a:r>
+                  <a:rPr lang="en-US" sz="2400" dirty="0"/>
+                  <a:t>, </a:t>
+                </a:r>
+              </a:p>
+              <a:p>
+                <a:pPr lvl="1"/>
+                <a:r>
+                  <a:rPr lang="en-US" sz="2000" dirty="0"/>
+                  <a:t>Y is the binary outcome (whether or not an individual defaulted)</a:t>
+                </a:r>
+              </a:p>
+              <a:p>
+                <a:pPr lvl="2"/>
+                <a:r>
+                  <a:rPr lang="en-US" sz="1600" b="1" dirty="0"/>
+                  <a:t>X</a:t>
+                </a:r>
+                <a:r>
+                  <a:rPr lang="en-US" sz="1600" dirty="0"/>
+                  <a:t> = </a:t>
+                </a:r>
+                <a14:m>
+                  <m:oMath xmlns:m="http://schemas.openxmlformats.org/officeDocument/2006/math">
+                    <m:r>
+                      <a:rPr lang="en-US" sz="1600" i="1"/>
+                      <m:t>(1, </m:t>
+                    </m:r>
+                    <m:sSub>
+                      <m:sSubPr>
+                        <m:ctrlPr>
+                          <a:rPr lang="en-US" sz="1600" i="1"/>
+                        </m:ctrlPr>
+                      </m:sSubPr>
+                      <m:e>
+                        <m:r>
+                          <a:rPr lang="en-US" sz="1600" i="1"/>
+                          <m:t>𝑋</m:t>
+                        </m:r>
+                      </m:e>
+                      <m:sub>
+                        <m:r>
+                          <a:rPr lang="en-US" sz="1600" i="1"/>
+                          <m:t>1</m:t>
+                        </m:r>
+                      </m:sub>
+                    </m:sSub>
+                    <m:r>
+                      <a:rPr lang="en-US" sz="1600" i="1"/>
+                      <m:t>, …, </m:t>
+                    </m:r>
+                    <m:sSub>
+                      <m:sSubPr>
+                        <m:ctrlPr>
+                          <a:rPr lang="en-US" sz="1600" i="1"/>
+                        </m:ctrlPr>
+                      </m:sSubPr>
+                      <m:e>
+                        <m:r>
+                          <a:rPr lang="en-US" sz="1600" i="1"/>
+                          <m:t>𝑋</m:t>
+                        </m:r>
+                      </m:e>
+                      <m:sub>
+                        <m:r>
+                          <a:rPr lang="en-US" sz="1600" i="1"/>
+                          <m:t>𝑝</m:t>
+                        </m:r>
+                      </m:sub>
+                    </m:sSub>
+                    <m:r>
+                      <a:rPr lang="en-US" sz="1600" i="1"/>
+                      <m:t>)</m:t>
+                    </m:r>
+                  </m:oMath>
+                </a14:m>
+                <a:r>
+                  <a:rPr lang="en-US" sz="1600" dirty="0"/>
+                  <a:t> is the vector of covariate values</a:t>
+                </a:r>
+              </a:p>
+              <a:p>
+                <a:pPr lvl="2"/>
+                <a14:m>
+                  <m:oMath xmlns:m="http://schemas.openxmlformats.org/officeDocument/2006/math">
+                    <m:r>
+                      <a:rPr lang="en-US" sz="1600" b="1" i="1"/>
+                      <m:t>𝜷</m:t>
+                    </m:r>
+                  </m:oMath>
+                </a14:m>
+                <a:r>
+                  <a:rPr lang="en-US" sz="1600" dirty="0"/>
+                  <a:t> = </a:t>
+                </a:r>
+                <a14:m>
+                  <m:oMath xmlns:m="http://schemas.openxmlformats.org/officeDocument/2006/math">
+                    <m:d>
+                      <m:dPr>
+                        <m:ctrlPr>
+                          <a:rPr lang="en-US" sz="1600" i="1"/>
+                        </m:ctrlPr>
+                      </m:dPr>
+                      <m:e>
+                        <m:sSub>
+                          <m:sSubPr>
+                            <m:ctrlPr>
+                              <a:rPr lang="en-US" sz="1600" i="1"/>
+                            </m:ctrlPr>
+                          </m:sSubPr>
+                          <m:e>
+                            <m:r>
+                              <a:rPr lang="en-US" sz="1600" i="1"/>
+                              <m:t>𝛽</m:t>
+                            </m:r>
+                          </m:e>
+                          <m:sub>
+                            <m:r>
+                              <a:rPr lang="en-US" sz="1600" i="1"/>
+                              <m:t>0</m:t>
+                            </m:r>
+                          </m:sub>
+                        </m:sSub>
+                        <m:r>
+                          <a:rPr lang="en-US" sz="1600" i="1"/>
+                          <m:t>,</m:t>
+                        </m:r>
+                        <m:sSub>
+                          <m:sSubPr>
+                            <m:ctrlPr>
+                              <a:rPr lang="en-US" sz="1600" i="1"/>
+                            </m:ctrlPr>
+                          </m:sSubPr>
+                          <m:e>
+                            <m:r>
+                              <a:rPr lang="en-US" sz="1600" i="1"/>
+                              <m:t>𝛽</m:t>
+                            </m:r>
+                          </m:e>
+                          <m:sub>
+                            <m:r>
+                              <a:rPr lang="en-US" sz="1600" i="1"/>
+                              <m:t>1</m:t>
+                            </m:r>
+                          </m:sub>
+                        </m:sSub>
+                        <m:r>
+                          <a:rPr lang="en-US" sz="1600" i="1"/>
+                          <m:t>,…, </m:t>
+                        </m:r>
+                        <m:sSub>
+                          <m:sSubPr>
+                            <m:ctrlPr>
+                              <a:rPr lang="en-US" sz="1600" i="1"/>
+                            </m:ctrlPr>
+                          </m:sSubPr>
+                          <m:e>
+                            <m:r>
+                              <a:rPr lang="en-US" sz="1600" i="1"/>
+                              <m:t>𝛽</m:t>
+                            </m:r>
+                          </m:e>
+                          <m:sub>
+                            <m:r>
+                              <a:rPr lang="en-US" sz="1600" i="1"/>
+                              <m:t>𝑝</m:t>
+                            </m:r>
+                          </m:sub>
+                        </m:sSub>
+                      </m:e>
+                    </m:d>
+                  </m:oMath>
+                </a14:m>
+                <a:r>
+                  <a:rPr lang="en-US" sz="1600" dirty="0"/>
+                  <a:t> vector of regression parameters we want to estimate</a:t>
+                </a:r>
+              </a:p>
+              <a:p>
+                <a:r>
+                  <a:rPr lang="en-US" sz="2400" dirty="0"/>
+                  <a:t> Estimation is an optimization problem in the form L</a:t>
+                </a:r>
+                <a14:m>
+                  <m:oMath xmlns:m="http://schemas.openxmlformats.org/officeDocument/2006/math">
+                    <m:d>
+                      <m:dPr>
+                        <m:ctrlPr>
+                          <a:rPr lang="en-US" sz="2400" i="1"/>
+                        </m:ctrlPr>
+                      </m:dPr>
+                      <m:e>
+                        <m:r>
+                          <a:rPr lang="en-US" sz="2400" b="1" i="1"/>
+                          <m:t>𝛃</m:t>
+                        </m:r>
+                      </m:e>
+                    </m:d>
+                    <m:r>
+                      <a:rPr lang="en-US" sz="2400" b="1" i="1"/>
+                      <m:t>−</m:t>
+                    </m:r>
+                    <m:r>
+                      <a:rPr lang="en-US" sz="2400" i="1"/>
+                      <m:t>𝜆</m:t>
+                    </m:r>
+                    <m:r>
+                      <a:rPr lang="en-US" sz="2400" i="1"/>
+                      <m:t>∗</m:t>
+                    </m:r>
+                    <m:r>
+                      <a:rPr lang="en-US" sz="2400" i="1"/>
+                      <m:t>𝑝𝑒𝑛</m:t>
+                    </m:r>
+                    <m:r>
+                      <a:rPr lang="en-US" sz="2400" i="1"/>
+                      <m:t>(</m:t>
+                    </m:r>
+                    <m:r>
+                      <a:rPr lang="en-US" sz="2400" b="1" i="1"/>
+                      <m:t>𝜷</m:t>
+                    </m:r>
+                    <m:r>
+                      <a:rPr lang="en-US" sz="2400" i="1"/>
+                      <m:t>)</m:t>
+                    </m:r>
+                  </m:oMath>
+                </a14:m>
+                <a:r>
+                  <a:rPr lang="en-US" sz="2400" dirty="0"/>
+                  <a:t>, where </a:t>
+                </a:r>
+                <a14:m>
+                  <m:oMath xmlns:m="http://schemas.openxmlformats.org/officeDocument/2006/math">
+                    <m:r>
+                      <a:rPr lang="en-US" sz="2400" i="1"/>
+                      <m:t>𝑝𝑒𝑛</m:t>
+                    </m:r>
+                    <m:r>
+                      <a:rPr lang="en-US" sz="2400" i="1"/>
+                      <m:t>(</m:t>
+                    </m:r>
+                    <m:r>
+                      <a:rPr lang="en-US" sz="2400" b="1" i="1"/>
+                      <m:t>𝜷</m:t>
+                    </m:r>
+                    <m:r>
+                      <a:rPr lang="en-US" sz="2400" i="1"/>
+                      <m:t>)</m:t>
+                    </m:r>
+                  </m:oMath>
+                </a14:m>
+                <a:r>
+                  <a:rPr lang="en-US" sz="2400" dirty="0"/>
+                  <a:t> is the “penalty” and </a:t>
+                </a:r>
+                <a14:m>
+                  <m:oMath xmlns:m="http://schemas.openxmlformats.org/officeDocument/2006/math">
+                    <m:r>
+                      <a:rPr lang="en-US" sz="2400" i="1"/>
+                      <m:t>𝜆</m:t>
+                    </m:r>
+                  </m:oMath>
+                </a14:m>
+                <a:r>
+                  <a:rPr lang="en-US" sz="2400" dirty="0"/>
+                  <a:t> is the “tuning parameter”</a:t>
+                </a:r>
+                <a:r>
+                  <a:rPr lang="en-US" sz="2400" dirty="0">
+                    <a:effectLst/>
+                  </a:rPr>
+                  <a:t> (amount of shrinkage)</a:t>
+                </a:r>
+                <a:endParaRPr lang="en-US" sz="2400" dirty="0"/>
+              </a:p>
+            </p:txBody>
+          </p:sp>
+        </mc:Choice>
+        <mc:Fallback>
+          <p:sp>
+            <p:nvSpPr>
+              <p:cNvPr id="3" name="Content Placeholder 2">
+                <a:extLst>
+                  <a:ext uri="{FF2B5EF4-FFF2-40B4-BE49-F238E27FC236}">
+                    <a16:creationId xmlns:a16="http://schemas.microsoft.com/office/drawing/2014/main" id="{EF8AF3CA-2D9D-4A94-BF36-EE3AF25C3482}"/>
+                  </a:ext>
+                </a:extLst>
+              </p:cNvPr>
+              <p:cNvSpPr>
+                <a:spLocks noGrp="1" noRot="1" noChangeAspect="1" noMove="1" noResize="1" noEditPoints="1" noAdjustHandles="1" noChangeArrowheads="1" noChangeShapeType="1" noTextEdit="1"/>
+              </p:cNvSpPr>
+              <p:nvPr>
+                <p:ph idx="1"/>
+              </p:nvPr>
+            </p:nvSpPr>
+            <p:spPr>
+              <a:xfrm>
+                <a:off x="838200" y="1825625"/>
+                <a:ext cx="10515600" cy="4351338"/>
+              </a:xfrm>
+              <a:blipFill>
+                <a:blip r:embed="rId2"/>
+                <a:stretch>
+                  <a:fillRect l="-844" t="-1744"/>
+                </a:stretch>
+              </a:blipFill>
+            </p:spPr>
+            <p:txBody>
+              <a:bodyPr/>
+              <a:lstStyle/>
+              <a:p>
+                <a:r>
+                  <a:rPr lang="en-US">
+                    <a:noFill/>
+                  </a:rPr>
+                  <a:t> </a:t>
+                </a:r>
+              </a:p>
+            </p:txBody>
+          </p:sp>
+        </mc:Fallback>
+      </mc:AlternateContent>
     </p:spTree>
     <p:extLst>
       <p:ext uri="{BB962C8B-B14F-4D97-AF65-F5344CB8AC3E}">
@@ -10816,17 +12964,114 @@
         </p:spPr>
         <p:txBody>
           <a:bodyPr>
-            <a:normAutofit/>
+            <a:normAutofit fontScale="92500" lnSpcReduction="10000"/>
           </a:bodyPr>
           <a:lstStyle/>
           <a:p>
             <a:r>
-              <a:rPr lang="en-US"/>
-              <a:t>Adaptive LASSO</a:t>
+              <a:rPr lang="en-US" dirty="0"/>
+              <a:t>Adaptive LASSO is conducted in 2 steps</a:t>
             </a:r>
+          </a:p>
+          <a:p>
+            <a:r>
+              <a:rPr lang="en-US" dirty="0"/>
+              <a:t>First is ridge regression: penalty is proportional to sum of squares of coefficients</a:t>
+            </a:r>
+          </a:p>
+          <a:p>
+            <a:endParaRPr lang="en-US" dirty="0"/>
+          </a:p>
+          <a:p>
+            <a:r>
+              <a:rPr lang="en-US" dirty="0"/>
+              <a:t>Use the coefficients from ridge and calculate weights (usually reciprocal of ridge coefficients) to shrink coefficients</a:t>
+            </a:r>
+          </a:p>
+          <a:p>
+            <a:endParaRPr lang="en-US" dirty="0"/>
+          </a:p>
+          <a:p>
+            <a:r>
+              <a:rPr lang="en-US" dirty="0"/>
+              <a:t>Predictive performance was assessed after selecting optimal tuning and penalty parameters</a:t>
+            </a:r>
+          </a:p>
+          <a:p>
+            <a:r>
+              <a:rPr lang="en-US" dirty="0"/>
+              <a:t>Cost associated with correctly classifying individuals was also optimized for bank’s benefit</a:t>
+            </a:r>
+          </a:p>
+          <a:p>
+            <a:endParaRPr lang="en-US" dirty="0"/>
+          </a:p>
+          <a:p>
+            <a:pPr lvl="1"/>
+            <a:endParaRPr lang="en-US" dirty="0"/>
+          </a:p>
+          <a:p>
+            <a:pPr lvl="1"/>
+            <a:endParaRPr lang="en-US" dirty="0"/>
           </a:p>
         </p:txBody>
       </p:sp>
+      <p:pic>
+        <p:nvPicPr>
+          <p:cNvPr id="7" name="Picture 6" descr="A picture containing text&#10;&#10;Description automatically generated">
+            <a:extLst>
+              <a:ext uri="{FF2B5EF4-FFF2-40B4-BE49-F238E27FC236}">
+                <a16:creationId xmlns:a16="http://schemas.microsoft.com/office/drawing/2014/main" id="{94EAB31C-41F2-664B-823B-17E12A780E6A}"/>
+              </a:ext>
+            </a:extLst>
+          </p:cNvPr>
+          <p:cNvPicPr/>
+          <p:nvPr/>
+        </p:nvPicPr>
+        <p:blipFill>
+          <a:blip r:embed="rId2"/>
+          <a:stretch>
+            <a:fillRect/>
+          </a:stretch>
+        </p:blipFill>
+        <p:spPr>
+          <a:xfrm>
+            <a:off x="3265721" y="2900855"/>
+            <a:ext cx="3713148" cy="528145"/>
+          </a:xfrm>
+          <a:prstGeom prst="rect">
+            <a:avLst/>
+          </a:prstGeom>
+        </p:spPr>
+      </p:pic>
+      <p:pic>
+        <p:nvPicPr>
+          <p:cNvPr id="8" name="Picture 7" descr="A picture containing diagram&#10;&#10;Description automatically generated">
+            <a:extLst>
+              <a:ext uri="{FF2B5EF4-FFF2-40B4-BE49-F238E27FC236}">
+                <a16:creationId xmlns:a16="http://schemas.microsoft.com/office/drawing/2014/main" id="{D1F2CB06-6C22-8C4D-9AE7-6FF33EE9F429}"/>
+              </a:ext>
+            </a:extLst>
+          </p:cNvPr>
+          <p:cNvPicPr/>
+          <p:nvPr/>
+        </p:nvPicPr>
+        <p:blipFill>
+          <a:blip r:embed="rId3"/>
+          <a:stretch>
+            <a:fillRect/>
+          </a:stretch>
+        </p:blipFill>
+        <p:spPr>
+          <a:xfrm>
+            <a:off x="3181295" y="4135369"/>
+            <a:ext cx="3797574" cy="528145"/>
+          </a:xfrm>
+          <a:prstGeom prst="rect">
+            <a:avLst/>
+          </a:prstGeom>
+        </p:spPr>
+      </p:pic>
     </p:spTree>
     <p:extLst>
       <p:ext uri="{BB962C8B-B14F-4D97-AF65-F5344CB8AC3E}">
